--- a/images/sampling/src/heterogeneity.pptx
+++ b/images/sampling/src/heterogeneity.pptx
@@ -160,7 +160,7 @@
     <inkml:brush xml:id="br0">
       <inkml:brushProperty name="width" value="0.35" units="cm"/>
       <inkml:brushProperty name="height" value="0.35" units="cm"/>
-      <inkml:brushProperty name="color" value="#5B2D90"/>
+      <inkml:brushProperty name="color" value="#6968A0"/>
     </inkml:brush>
   </inkml:definitions>
   <inkml:trace contextRef="#ctx0" brushRef="#br0">0 1 24575,'0'0'0</inkml:trace>
@@ -188,7 +188,7 @@
     <inkml:brush xml:id="br0">
       <inkml:brushProperty name="width" value="0.05" units="cm"/>
       <inkml:brushProperty name="height" value="0.05" units="cm"/>
-      <inkml:brushProperty name="color" value="#66CC00"/>
+      <inkml:brushProperty name="color" value="#7D943C"/>
     </inkml:brush>
   </inkml:definitions>
   <inkml:trace contextRef="#ctx0" brushRef="#br0">0 0 24575,'23'0'0,"1"0"0,2 0 0,-1 0 0,-1 0 0,-3 0 0,3 0 0,3 0 0,-6 0 0,19 0 0,-22 0 0,8 0 0,-13 0 0,2 0 0,-1 0 0,4 0 0,-3 0 0,4 0 0,-5 0 0,10 0 0,-3 0 0,5 0 0,4 0 0,-4 0 0,5 0 0,1 0 0,-1 0 0,1 0 0,-1 0 0,-5 0 0,10 0 0,6 0 0,5 0 0,0 0 0,-3 0 0,-11 0 0,4 0 0,1 0 0,-5 0 0,11 0 0,-4 0 0,5 0 0,1 0 0,0 0 0,-1 0 0,1 0 0,7 0 0,-12 0 0,10 0 0,-18 0 0,5 0 0,-1 0 0,-9 0 0,17 0 0,-17 5 0,6-4 0,-9 8 0,-11-8 0,4 7 0,-3-2 0,-1 3 0,-1 0 0,1 0 0,0 0 0,1 0 0,2-4 0,-7 3 0,8-3 0,-3 4 0,-1-3 0,4 2 0,-4-3 0,11 1 0,-4 2 0,9-2 0,9 5 0,2 0 0,39 6 0,-27-4 0,27 4 0,-33-5 0,6 0 0,-14-1 0,-6-1 0,-9 0 0,-5-5 0,-4-1 0,-2-4 0,-4 0 0,-1 0 0,1 0 0,9 0 0,3 0 0,11 0 0,-1 0 0,0 0 0,7 0 0,-5 0 0,5 0 0,0 0 0,1 0 0,7 0 0,-1 0 0,1 0 0,6 0 0,-4 0 0,11 0 0,-11 0 0,4 0 0,-6 0 0,0 0 0,-7 0 0,5 0 0,-11 0 0,-1 0 0,-2 0 0,-4 0 0,0 0 0,-1 0 0,-1 5 0,-3-4 0,3 4 0,-9-5 0,-2 4 0,-4-3 0,-1 3 0,1-4 0,-1 0 0,1 0 0,-1 0 0,5 4 0,1-3 0,5 7 0,0-7 0,0 4 0,33 0 0,-19-3 0,40 8 0,-25-3 0,6 0 0,6 4 0,-12-4 0,-2 4 0,-9-5 0,-6-1 0,-5-1 0,-6-3 0,-6 3 0,4-4 0,-2 0 0,21 5 0,-10 1 0,17 0 0,-5 4 0,7-4 0,0 6 0,-1-1 0,1 6 0,-7-5 0,5 4 0,-11-5 0,32 10 0,-27-7 0,26 7 0,-24-10 0,-1 0 0,-1 0 0,-7-1 0,-5-4 0,-1 3 0,-6-8 0,0 3 0,0-4 0,-5 0 0,4 0 0,-3 0 0,4 0 0,0 0 0,6 0 0,-5 0 0,10 0 0,-4 0 0,0-4 0,12-1 0,-9 0 0,5-4 0,2 3 0,-14 0 0,15-3 0,-17 8 0,10-9 0,2 4 0,-4 0 0,8 1 0,-15 1 0,9 3 0,-4-8 0,0 8 0,-2-4 0,-9 1 0,3 3 0,-4-3 0,5 0 0,0 3 0,1-3 0,-1 0 0,-5 3 0,3-4 0,-7 5 0,2-4 0,-3 3 0,-1-2 0,0 3 0,1 0 0,-1 0 0,0 0 0,1 0 0,-1 0 0,1 0 0,0 0 0,-1 0 0,1 0 0,-1 0 0,1 0 0,-1 0 0,-3 0 0,-1 0 0</inkml:trace>
@@ -216,7 +216,7 @@
     <inkml:brush xml:id="br0">
       <inkml:brushProperty name="width" value="0.05" units="cm"/>
       <inkml:brushProperty name="height" value="0.05" units="cm"/>
-      <inkml:brushProperty name="color" value="#F6630D"/>
+      <inkml:brushProperty name="color" value="#BA482C"/>
     </inkml:brush>
   </inkml:definitions>
   <inkml:trace contextRef="#ctx0" brushRef="#br0">1 3347 24575,'12'0'0,"5"0"0,-3 0 0,5 0 0,0 0 0,0 0 0,17 0 0,-17 0 0,16 0 0,-21 0 0,5 0 0,0 0 0,1 0 0,-1 0 0,0 0 0,0-4 0,0 2 0,0-2 0,0 0 0,0 3 0,4-3 0,-3-1 0,3 4 0,-4-3 0,0 0 0,14 3 0,-10-3 0,16-1 0,-19 4 0,5-4 0,-6 5 0,-5 0 0,4 0 0,-4 0 0,1-4 0,3 3 0,-4-2 0,5-2 0,0 4 0,-4-7 0,3 7 0,-8-3 0,3 1 0,0 2 0,-3-3 0,3 0 0,1 3 0,-5-3 0,9 0 0,-3-1 0,4-1 0,-5-2 0,4 7 0,-3-7 0,-1 7 0,4-7 0,-8 7 0,8-8 0,-9 8 0,5-7 0,-1 7 0,-3-7 0,8 3 0,-8-4 0,7 0 0,-2 4 0,0-8 0,3 7 0,0-12 0,3 4 0,-3 0 0,0-4 0,2 2 0,0 1 0,5-4 0,-6 5 0,0-1 0,0-3 0,0 7 0,0-3 0,-4 5 0,3-4 0,-9 3 0,9-4 0,-8 5 0,8 0 0,-4 0 0,6-5 0,-1 3 0,0-7 0,4 0 0,-8 6 0,7-9 0,-12 15 0,3-7 0,-4 8 0,-1 1 0,-3 1 0,3 2 0,-8-7 0,8 3 0,-3-3 0,4-6 0,-1 4 0,1 1 0,0 1 0,0 4 0,-1-5 0,1 0 0,-1-3 0,1-2 0,0-4 0,6-7 0,-4-1 0,15-7 0,-8 2 0,9-2 0,-6 2 0,-6 5 0,0 1 0,-5 6 0,10-7 0,-8 5 0,14-10 0,-4 4 0,6-6 0,6-1 0,-5 1 0,2 5 0,-14 3 0,7 5 0,-14 6 0,3 0 0,-4 6 0,-1 3 0,1-3 0,0-1 0,-1-1 0,6-8 0,0 8 0,12-15 0,-5 9 0,5-6 0,-11 4 0,3 8 0,-8-4 0,3 9 0,-4-3 0,0 4 0,-5-5 0,0-23 0,6 2 0,9-25 0,6 9 0,10-3 0,-10 3 0,3 5 0,-6 4 0,-2 5 0,1 1 0,0 5 0,-6 1 0,4 1 0,-8 3 0,8-3 0,-9 5 0,8-1 0,-7 1 0,7 0 0,-3 0 0,0 0 0,3 0 0,-2-6 0,-1 5 0,3-5 0,-2 1 0,-1 3 0,0-3 0,-1 5 0,-4-1 0,4 1 0,-4 0 0,-1 0 0,5-14 0,-3 10 0,7-10 0,-7 14 0,3-5 0,-4 3 0,4-3 0,-3 5 0,8-6 0,-4 5 0,0-5 0,4 0 0,-4 5 0,11-6 0,-5 2 0,9 2 0,-3-4 0,-1 6 0,5-7 0,-4 6 0,0-1 0,3 2 0,-4 4 0,0-4 0,4 4 0,-10-2 0,10 2 0,-4 0 0,14-12 0,-12 15 0,10-15 0,-12 12 0,6-1 0,-1-2 0,-5 7 0,4-7 0,-4 3 0,5 0 0,-5 1 0,4 0 0,-4 4 0,6-9 0,-1 8 0,1-3 0,-1 5 0,1-1 0,5 5 0,3-4 0,26 4 0,-15-1 0,16-3 0,-14 8 0,-6-8 0,13 9 0,-13-4 0,6 5 0,-7-5 0,-7 4 0,5-4 0,-11 5 0,-1 0 0,-2 0 0,-4 0 0,0 0 0,-1 0 0,0 0 0,-5 4 0,5 1 0,-6 9 0,0 1 0,8 12 0,-5-10 0,11 11 0,-7-17 0,11 5 0,-4-6 0,11 7 0,-4-5 0,-1 4 0,-1-5 0,-7 4 0,1 1 0,-6 4 0,-2 0 0,-5-5 0,0 3 0,-4-8 0,3 4 0,-8-5 0,8 0 0,-9 0 0,5 0 0,-2 0 0,-2-1 0,2-3 0,-4 2 0,5-6 0,-3 7 0,7-3 0,-2 0 0,-1-1 0,0 0 0,-6-3 0,1 6 0,0-6 0,-1 3 0,0-4 0,1 0 0,-1 0 0,10 0 0,-2 0 0,9 0 0,-11 0 0,4 0 0,-8 0 0,3 0 0,12 5 0,-7 1 0,18 5 0,-4-1 0,1 1 0,11 0 0,-5 0 0,1 0 0,-3 0 0,-5-1 0,-6 0 0,-6 0 0,-7-5 0,-4 3 0,-1-7 0,1 3 0,-1-4 0,0 0 0,-3 0 0,-1 0 0</inkml:trace>
@@ -244,7 +244,7 @@
     <inkml:brush xml:id="br0">
       <inkml:brushProperty name="width" value="0.05" units="cm"/>
       <inkml:brushProperty name="height" value="0.05" units="cm"/>
-      <inkml:brushProperty name="color" value="#F6630D"/>
+      <inkml:brushProperty name="color" value="#BA482C"/>
     </inkml:brush>
   </inkml:definitions>
   <inkml:trace contextRef="#ctx0" brushRef="#br0">0 957 24575,'8'0'0,"1"0"0,-1 0 0,6 0 0,-5 0 0,9 0 0,1 0 0,1 0 0,6 0 0,-6 0 0,-1 0 0,-1 0 0,-9 0 0,15 0 0,-8 0 0,8 0 0,1 0 0,-5 0 0,10 0 0,-9 0 0,3 0 0,-4 0 0,-1 0 0,0 0 0,0 0 0,0 0 0,6 0 0,-5 0 0,24 0 0,-20 0 0,20 0 0,-18 0 0,0 0 0,4 0 0,-10 0 0,5 0 0,8 0 0,-11 0 0,11 0 0,-8 0 0,-5 0 0,5 0 0,-6 0 0,6 0 0,-5 0 0,5 0 0,-1 0 0,-3 0 0,9 0 0,-10 0 0,5 0 0,-6 0 0,0 0 0,-4 0 0,2 0 0,-8 0 0,4 0 0,-5 0 0,6 0 0,0 0 0,11-5 0,1 4 0,5-4 0,1 5 0,5 0 0,3-5 0,5 4 0,8-10 0,-6 10 0,6-5 0,-13 6 0,3-5 0,-15 4 0,3-4 0,-17 5 0,4 0 0,-8 0 0,3 0 0,-4 0 0,4 0 0,1 0 0,5-4 0,0 3 0,12-9 0,-3 5 0,23-7 0,-10 1 0,19-1 0,-19-4 0,10 3 0,-24 2 0,4 2 0,-12 4 0,-4-1 0,8-2 0,-7 2 0,9-4 0,5 0 0,-2 0 0,16-2 0,3-5 0,0 5 0,6-11 0,-14 11 0,-1-4 0,-4 6 0,-7 4 0,6-3 0,-13 8 0,5-8 0,0 4 0,1-1 0,5-3 0,-5 3 0,4 1 0,-9-4 0,-2 8 0,-5-7 0,5 2 0,-8 1 0,12-4 0,-9 5 0,0-2 0,-2 3 0,2-2 0,-5 0 0,9-4 0,-8 4 0,3-3 0,-4 7 0,0-3 0,-1 0 0,1 3 0,0-6 0,-1 2 0,1-4 0,-1 1 0,8 3 0,4 1 0,8-5 0,3 6 0,1-11 0,5 3 0,3-1 0,5-10 0,1 10 0,0-10 0,-1 4 0,1 1 0,-1-5 0,-5 10 0,-3-4 0,-5 1 0,-1 3 0,1-3 0,-1 5 0,-5 4 0,4-3 0,-4 3 0,0-4 0,-2 0 0,1 4 0,-5-2 0,0 7 0,-7-3 0,-4 0 0,-1 3 0,1-3 0,8 0 0,-1-1 0,7-4 0,1-1 0,2 0 0,6-1 0,-1 6 0,-5-4 0,4 3 0,-4 1 0,0-4 0,4 8 0,-10-4 0,11 5 0,-11 0 0,10 0 0,-4 0 0,5 0 0,1 0 0,-1 0 0,1 0 0,-1 0 0,1 0 0,-1 0 0,6 0 0,-4 0 0,5 0 0,0 0 0,-5 0 0,11 0 0,-11 0 0,11 0 0,-11 0 0,19 0 0,-18 0 0,6 0 0,-10 0 0,-9 0 0,9 0 0,-4 0 0,5 0 0,0 0 0,1 0 0,-1 0 0,7 0 0,-5 0 0,5 0 0,-7 0 0,-5-4 0,13-1 0,-17-5 0,7 5 0,-16 1 0,-4 0 0,-1 3 0,1-3 0,-1 4 0,0-3 0,5 2 0,1-3 0,5 0 0,0 3 0,-4-3 0,-2 4 0,-4-4 0,-1 3 0,1-3 0,0 4 0,-1 0 0,1 0 0,4 0 0,6 0 0,2 0 0,4 0 0,-6 0 0,-5 0 0,4 0 0,-8 0 0,3 0 0,-4 0 0,-1 0 0,-3 0 0,-2 0 0</inkml:trace>
@@ -272,7 +272,7 @@
     <inkml:brush xml:id="br0">
       <inkml:brushProperty name="width" value="0.05" units="cm"/>
       <inkml:brushProperty name="height" value="0.05" units="cm"/>
-      <inkml:brushProperty name="color" value="#5B2D90"/>
+      <inkml:brushProperty name="color" value="#6968A0"/>
     </inkml:brush>
   </inkml:definitions>
   <inkml:trace contextRef="#ctx0" brushRef="#br0">1 96 24575,'12'0'0,"0"0"0,1 0 0,-3 0 0,7 0 0,-2-4 0,4-2 0,-5-3 0,4 4 0,-3-3 0,4 3 0,5-5 0,-8 0 0,13 0 0,-8 5 0,5-8 0,4 11 0,-4-6 0,5 8 0,0 0 0,1 0 0,5 0 0,-4 0 0,4 0 0,1 0 0,1 0 0,7 0 0,-1 0 0,0 0 0,1 0 0,0 0 0,-1 0 0,0 0 0,0 0 0,15 0 0,-12 0 0,12 0 0,-22 0 0,6 0 0,-11 0 0,11 0 0,-11 0 0,11 5 0,-11 1 0,25 9 0,-22-3 0,22 4 0,-25-5 0,11-5 0,-11 3 0,11-3 0,-5 5 0,0 0 0,5 6 0,-11-1 0,11 7 0,-11-2 0,5 0 0,-6 6 0,-5 0 0,5 1 0,-4 3 0,-1-3 0,0 11 0,-6-6 0,1 4 0,-1-5 0,6 0 0,-4 6 0,4-3 0,-5 2 0,6 3 0,-5-7 0,6 13 0,-7-7 0,1 7 0,5 27 0,-4-20 0,0 27 0,-2-33 0,-9 6 0,3-8 0,1 1 0,-5-7 0,4 5 0,-6-16 0,6 8 0,-5-15 0,3 3 0,-5-9 0,1 2 0,-1-2 0,0-1 0,5 4 0,-4-3 0,9 9 0,-4-3 0,6 9 0,13 6 0,-3-1 0,11 7 0,-9-13 0,1 3 0,-8-10 0,7 11 0,-12-13 0,10 7 0,-10-2 0,10-3 0,-5 4 0,6-6 0,-1 1 0,7 1 0,-5-1 0,11 2 0,-5-1 0,7 1 0,0 0 0,-1-6 0,1 0 0,0-1 0,-1-3 0,21 9 0,-15-10 0,8 4 0,-21-5 0,-6 0 0,-1-1 0,0 0 0,0-4 0,1 3 0,-1-7 0,0 7 0,7-3 0,-5 0 0,11 4 0,-4-3 0,-1 4 0,5-5 0,-11 3 0,11-3 0,-11 5 0,11 0 0,-11 0 0,11 0 0,-5 0 0,34 1 0,-20-1 0,14-5 0,-30 4 0,-11-9 0,-1 4 0,-11-5 0,0 0 0,-6 0 0,1 0 0,-1 0 0,11 0 0,-3 0 0,14 0 0,-10 0 0,5 0 0,-11 0 0,-1 0 0,-4 0 0,0 0 0,3 0 0,5 0 0,8 0 0,-2 0 0,7 0 0,-4 0 0,6 0 0,-6 0 0,10 0 0,-2 0 0,0 0 0,2 0 0,-15 0 0,9 0 0,-10 0 0,32 0 0,-27 0 0,27 0 0,-26 0 0,0 0 0,-2 0 0,-5 0 0,12 5 0,-9-4 0,9 4 0,2-5 0,2 0 0,1 0 0,0 0 0,-15 0 0,3 0 0,-9 0 0,14 0 0,-16 0 0,17 0 0,-16 0 0,5 0 0,-4 0 0,3 0 0,2 0 0,0 0 0,5 0 0,-6 0 0,0 0 0,-5 0 0,16 0 0,-17 0 0,25 0 0,-26 0 0,10 0 0,-14 0 0,1 0 0,10 0 0,-3 0 0,3 0 0,-1 0 0,-8 0 0,4 0 0,-6 0 0,1 0 0,-1 0 0,1 0 0,-1 0 0,0 0 0,1 0 0,8 0 0,-2 0 0,20 0 0,-13 0 0,9 0 0,-12 0 0,0 0 0,-5-4 0,0 3 0,-6-2 0,1 3 0,4 0 0,-3 0 0,3 0 0,12 0 0,-7 0 0,18 0 0,-10 0 0,6 0 0,-6 0 0,-2-5 0,-5 4 0,-4-3 0,-6-4 0,-5 5 0,-4-5 0</inkml:trace>
@@ -300,7 +300,7 @@
     <inkml:brush xml:id="br0">
       <inkml:brushProperty name="width" value="0.05" units="cm"/>
       <inkml:brushProperty name="height" value="0.05" units="cm"/>
-      <inkml:brushProperty name="color" value="#5B2D90"/>
+      <inkml:brushProperty name="color" value="#6968A0"/>
     </inkml:brush>
   </inkml:definitions>
   <inkml:trace contextRef="#ctx0" brushRef="#br0">1 43 24575,'8'0'0,"0"0"0,1 0 0,-1 0 0,4 0 0,2 0 0,-1 0 0,0 0 0,-4 0 0,-1 0 0,1 0 0,-1 0 0,1 0 0,0 0 0,-1 0 0,11-4 0,2 2 0,11-2 0,-1 4 0,7-5 0,-6 4 0,6-9 0,-7 9 0,1-4 0,-6 5 0,4 0 0,-4 0 0,5 0 0,0 0 0,1 0 0,5 0 0,-4-5 0,5 4 0,-7-3 0,1 4 0,2 0 0,-7 0 0,0 0 0,-12 0 0,3 0 0,-4 0 0,10 0 0,-3 0 0,9 4 0,-10 2 0,10 4 0,-4 0 0,0-4 0,-1 3 0,-11-4 0,4 4 0,-4 0 0,5 1 0,0 3 0,0-2 0,14 12 0,-10-7 0,16 8 0,-13-3 0,0-1 0,-2 0 0,-5-1 0,6 1 0,-9-1 0,8 6 0,-9-4 0,5 3 0,-5 0 0,3-3 0,-2 9 0,5-4 0,-5 5 0,4 1 0,-5-6 0,2 10 0,2-9 0,-7 18 0,3-13 0,-4 6 0,5 20 0,-4-20 0,9 26 0,-9-31 0,5 11 0,-7-11 0,1 5 0,0-7 0,-1 1 0,0-1 0,6 14 0,-5-10 0,4 11 0,-4-15 0,0 7 0,-1-5 0,1 4 0,4-5 0,-3-1 0,3 1 0,-5-1 0,1 1 0,5 5 0,-4-4 0,14 25 0,-8-15 0,5 17 0,-7-15 0,1 1 0,0 0 0,6-1 0,0 1 0,0 0 0,0-1 0,0 8 0,0-6 0,7 8 0,-5-9 0,5 8 0,-7-7 0,0 6 0,0-7 0,-1-7 0,1 5 0,-7-11 0,5 5 0,4 7 0,-1-10 0,6 10 0,-9-7 0,1-5 0,0 10 0,0-4 0,0 7 0,8 6 0,-6-4 0,11 6 0,11 10 0,0-11 0,15 20 0,-4-20 0,4 6 0,-9-15 0,8 0 0,-8-1 0,9-5 0,3 7 0,-8-8 0,7 7 0,2 2 0,15 10 0,-11-4 0,5-4 0,-18-5 0,1-6 0,3-6 0,-11-2 0,-3-6 0,-8-6 0,-7-2 0,1-9 0,-11-5 0,-3-2 0,1-3 0,8 4 0,6 0 0,5 0 0,-1 0 0,-4 0 0,11 0 0,3 6 0,15 1 0,18 6 0,-14 0 0,-15-6 0,0 0 0,10 0 0,27 5 0,-18-11 0,-6 5 0,25-6 0,-35 0 0,5 4 0,-29-3 0,-9 3 0,9-4 0,-10 0 0,10 0 0,3 0 0,0 0 0,11 0 0,-5 0 0,27 0 0,-22 0 0,14 0 0,-26 0 0,-1 0 0,0-4 0,1 2 0,-1-7 0,7 8 0,-5-8 0,11 2 0,-5 2 0,7-6 0,-1 10 0,1-9 0,-7 9 0,6-4 0,-18 5 0,4 0 0,-12 0 0,-5 0 0,0 0 0,-6 0 0,1 0 0,-1 0 0,1 0 0,-1 0 0,5 0 0,6 0 0,2 0 0,9 0 0,-10 0 0,5 0 0,-11 0 0,-1 0 0,-4 0 0,0 0 0,-1 0 0,0 0 0,4 0 0,2 0 0,16 0 0,-3 0 0,11 0 0,0 0 0,-11 0 0,10 0 0,-17 0 0,5 0 0,-11 0 0,-1 0 0,-4 0 0,-1 0 0,1 0 0,4 0 0,1 0 0,10 0 0,-8 0 0,7 0 0,-13 0 0,4 0 0,-6 0 0,1 0 0,-1 0 0,0-4 0,1-1 0,-5 1 0,0 0 0</inkml:trace>
@@ -463,7 +463,7 @@
     <inkml:brush xml:id="br0">
       <inkml:brushProperty name="width" value="0.35" units="cm"/>
       <inkml:brushProperty name="height" value="0.35" units="cm"/>
-      <inkml:brushProperty name="color" value="#5B2D90"/>
+      <inkml:brushProperty name="color" value="#6968A0"/>
     </inkml:brush>
   </inkml:definitions>
   <inkml:trace contextRef="#ctx0" brushRef="#br0">0 0 24575,'0'0'0</inkml:trace>
@@ -761,7 +761,7 @@
     <inkml:brush xml:id="br0">
       <inkml:brushProperty name="width" value="0.35" units="cm"/>
       <inkml:brushProperty name="height" value="0.35" units="cm"/>
-      <inkml:brushProperty name="color" value="#5B2D90"/>
+      <inkml:brushProperty name="color" value="#6968A0"/>
     </inkml:brush>
   </inkml:definitions>
   <inkml:trace contextRef="#ctx0" brushRef="#br0">0 0 24575,'0'0'0</inkml:trace>
@@ -1008,7 +1008,7 @@
     <inkml:brush xml:id="br0">
       <inkml:brushProperty name="width" value="0.1" units="cm"/>
       <inkml:brushProperty name="height" value="0.1" units="cm"/>
-      <inkml:brushProperty name="color" value="#E71224"/>
+      <inkml:brushProperty name="color" value="#C93431"/>
     </inkml:brush>
   </inkml:definitions>
   <inkml:trace contextRef="#ctx0" brushRef="#br0">257 1 24575,'0'29'0,"0"-5"0,0 12 0,0-8 0,0 64 0,-4-39 0,3 35 0,-3-54 0,4-9 0,-9-10 0,3 10 0,-3-13 0,5 9 0,0 5 0,-5-13 0,3 13 0,-3-13 0,1-2 0,6 7 0,-7-4 0,5 6 0,-1-1 0,-1 0 0,-2-5 0,7 4 0,-6-8 0,6 3 0,-3-4 0,0-1 0,3 1 0,-3-1 0,0-3 0,4 3 0,-4-4 0,4 5 0,-4-5 0,3-3 0,-11-7 0,9-7 0,-9-1 0,2-5 0,0 0 0,-4 0 0,9-1 0,-3 6 0,2-4 0,-2 8 0,2-3 0,-1 4 0,6 1 0,-3-1 0,4 0 0,0 1 0,-4-1 0,3 1 0,-3-1 0,4 8 0,0 7 0,0 3 0,5 9 0,-4-4 0,7 5 0,-3 1 0,5-1 0,0 0 0,-1 0 0,1 0 0,-5 0 0,3 0 0,-2 0 0,-1-4 0,4 3 0,-8-8 0,3 3 0,-4-5 0,0 1 0,3-4 0,2-2 0,3-7 0,1-5 0,0-6 0,1-9 0,4-2 0,2 0 0,4 1 0,-5 6 0,3 5 0,-8 0 0,3 5 0,-4 5 0,-1-4 0,1 7 0,-5-7 0,4 7 0,-3-6 0,3 6 0,1-3 0,-1 0 0,1 3 0,-5-6 0,8-2 0,-6-1 0,7 1 0,-4 1 0,0 4 0,-1-1 0,1-3 0,-1 7 0,-3-3 0,-1 4 0</inkml:trace>
@@ -1063,7 +1063,7 @@
     <inkml:brush xml:id="br0">
       <inkml:brushProperty name="width" value="0.35" units="cm"/>
       <inkml:brushProperty name="height" value="0.35" units="cm"/>
-      <inkml:brushProperty name="color" value="#5B2D90"/>
+      <inkml:brushProperty name="color" value="#6968A0"/>
     </inkml:brush>
   </inkml:definitions>
   <inkml:trace contextRef="#ctx0" brushRef="#br0">0 1 24575,'0'0'0</inkml:trace>
@@ -1172,7 +1172,7 @@
     <inkml:brush xml:id="br0">
       <inkml:brushProperty name="width" value="0.35" units="cm"/>
       <inkml:brushProperty name="height" value="0.35" units="cm"/>
-      <inkml:brushProperty name="color" value="#5B2D90"/>
+      <inkml:brushProperty name="color" value="#6968A0"/>
     </inkml:brush>
   </inkml:definitions>
   <inkml:trace contextRef="#ctx0" brushRef="#br0">1 0 24575,'0'0'0</inkml:trace>
@@ -1200,7 +1200,7 @@
     <inkml:brush xml:id="br0">
       <inkml:brushProperty name="width" value="0.35" units="cm"/>
       <inkml:brushProperty name="height" value="0.35" units="cm"/>
-      <inkml:brushProperty name="color" value="#5B2D90"/>
+      <inkml:brushProperty name="color" value="#6968A0"/>
     </inkml:brush>
   </inkml:definitions>
   <inkml:trace contextRef="#ctx0" brushRef="#br0">1 0 24575,'0'0'0</inkml:trace>
@@ -1228,7 +1228,7 @@
     <inkml:brush xml:id="br0">
       <inkml:brushProperty name="width" value="0.35" units="cm"/>
       <inkml:brushProperty name="height" value="0.35" units="cm"/>
-      <inkml:brushProperty name="color" value="#5B2D90"/>
+      <inkml:brushProperty name="color" value="#6968A0"/>
     </inkml:brush>
   </inkml:definitions>
   <inkml:trace contextRef="#ctx0" brushRef="#br0">1 1 24575,'0'0'0</inkml:trace>
@@ -1256,7 +1256,7 @@
     <inkml:brush xml:id="br0">
       <inkml:brushProperty name="width" value="0.35" units="cm"/>
       <inkml:brushProperty name="height" value="0.35" units="cm"/>
-      <inkml:brushProperty name="color" value="#5B2D90"/>
+      <inkml:brushProperty name="color" value="#6968A0"/>
     </inkml:brush>
   </inkml:definitions>
   <inkml:trace contextRef="#ctx0" brushRef="#br0">0 0 24575,'0'0'0</inkml:trace>
@@ -1284,7 +1284,7 @@
     <inkml:brush xml:id="br0">
       <inkml:brushProperty name="width" value="0.35" units="cm"/>
       <inkml:brushProperty name="height" value="0.35" units="cm"/>
-      <inkml:brushProperty name="color" value="#5B2D90"/>
+      <inkml:brushProperty name="color" value="#6968A0"/>
     </inkml:brush>
   </inkml:definitions>
   <inkml:trace contextRef="#ctx0" brushRef="#br0">0 1 24575,'0'0'0</inkml:trace>
@@ -1312,7 +1312,7 @@
     <inkml:brush xml:id="br0">
       <inkml:brushProperty name="width" value="0.35" units="cm"/>
       <inkml:brushProperty name="height" value="0.35" units="cm"/>
-      <inkml:brushProperty name="color" value="#5B2D90"/>
+      <inkml:brushProperty name="color" value="#6968A0"/>
     </inkml:brush>
   </inkml:definitions>
   <inkml:trace contextRef="#ctx0" brushRef="#br0">0 1 24575,'0'0'0</inkml:trace>
@@ -1367,7 +1367,7 @@
     <inkml:brush xml:id="br0">
       <inkml:brushProperty name="width" value="0.35" units="cm"/>
       <inkml:brushProperty name="height" value="0.35" units="cm"/>
-      <inkml:brushProperty name="color" value="#66CC00"/>
+      <inkml:brushProperty name="color" value="#7D943C"/>
     </inkml:brush>
   </inkml:definitions>
   <inkml:trace contextRef="#ctx0" brushRef="#br0">0 1 24575,'0'0'0</inkml:trace>
@@ -1395,7 +1395,7 @@
     <inkml:brush xml:id="br0">
       <inkml:brushProperty name="width" value="0.35" units="cm"/>
       <inkml:brushProperty name="height" value="0.35" units="cm"/>
-      <inkml:brushProperty name="color" value="#66CC00"/>
+      <inkml:brushProperty name="color" value="#7D943C"/>
     </inkml:brush>
   </inkml:definitions>
   <inkml:trace contextRef="#ctx0" brushRef="#br0">1 0 24575,'0'0'0</inkml:trace>
@@ -1423,7 +1423,7 @@
     <inkml:brush xml:id="br0">
       <inkml:brushProperty name="width" value="0.35" units="cm"/>
       <inkml:brushProperty name="height" value="0.35" units="cm"/>
-      <inkml:brushProperty name="color" value="#66CC00"/>
+      <inkml:brushProperty name="color" value="#7D943C"/>
     </inkml:brush>
   </inkml:definitions>
   <inkml:trace contextRef="#ctx0" brushRef="#br0">1 0 24575,'0'0'0</inkml:trace>
@@ -1645,7 +1645,7 @@
     <inkml:brush xml:id="br0">
       <inkml:brushProperty name="width" value="0.35" units="cm"/>
       <inkml:brushProperty name="height" value="0.35" units="cm"/>
-      <inkml:brushProperty name="color" value="#F6630D"/>
+      <inkml:brushProperty name="color" value="#BA482C"/>
     </inkml:brush>
   </inkml:definitions>
   <inkml:trace contextRef="#ctx0" brushRef="#br0">1 0 24575,'0'0'0</inkml:trace>
@@ -1953,7 +1953,7 @@
     <inkml:brush xml:id="br0">
       <inkml:brushProperty name="width" value="0.35" units="cm"/>
       <inkml:brushProperty name="height" value="0.35" units="cm"/>
-      <inkml:brushProperty name="color" value="#F6630D"/>
+      <inkml:brushProperty name="color" value="#BA482C"/>
     </inkml:brush>
   </inkml:definitions>
   <inkml:trace contextRef="#ctx0" brushRef="#br0">1 0 24575,'0'0'0</inkml:trace>
@@ -2177,7 +2177,7 @@
     <inkml:brush xml:id="br0">
       <inkml:brushProperty name="width" value="0.05" units="cm"/>
       <inkml:brushProperty name="height" value="0.05" units="cm"/>
-      <inkml:brushProperty name="color" value="#66CC00"/>
+      <inkml:brushProperty name="color" value="#7D943C"/>
     </inkml:brush>
   </inkml:definitions>
   <inkml:trace contextRef="#ctx0" brushRef="#br0">0 654 24575,'17'0'0,"-7"0"0,12-4 0,-12 3 0,8-7 0,-9 3 0,18-9 0,-11 4 0,43-21 0,-32 17 0,23-13 0,-31 21 0,-5-2 0,4 3 0,-8-4 0,8 0 0,-8 0 0,8 4 0,-8-3 0,3 4 0,0-5 0,-3 4 0,12-8 0,-12 11 0,12-10 0,-12 7 0,8 0 0,-8-3 0,3 3 0,0 1 0,-3-4 0,8 3 0,-8-4 0,8 4 0,-4-3 0,5 3 0,0-5 0,6 0 0,-5 0 0,11 0 0,-11 0 0,10 0 0,-9 0 0,9 0 0,-4 0 0,0 0 0,4 4 0,-10-2 0,30-3 0,-19-1 0,27-3 0,-18 4 0,5-1 0,1 1 0,-1-1 0,1-4 0,0 3 0,-1-3 0,-5 9 0,-3-2 0,-5 3 0,-1-5 0,1 6 0,-1-5 0,-5 9 0,4-8 0,-4 8 0,0-4 0,4 0 0,-4 4 0,20-8 0,-12 3 0,12 0 0,-20 1 0,4 1 0,-4 3 0,0-4 0,-2 5 0,-4-4 0,-1 3 0,0-4 0,5 5 0,-3 0 0,9 0 0,-10-4 0,10 3 0,5-3 0,-7 4 0,10 0 0,-17 0 0,4 0 0,-6 0 0,5 0 0,2 0 0,6 0 0,-1 0 0,7 0 0,1 0 0,14 0 0,-6 0 0,6 0 0,-7 0 0,-1 0 0,-5 0 0,4 0 0,-11 0 0,11 0 0,-11 0 0,4 0 0,1 0 0,-5 0 0,11 0 0,-11 0 0,5 0 0,-12 0 0,-1 0 0,-2 0 0,-8 0 0,2 0 0,8 0 0,-7 0 0,18 0 0,-16 0 0,10 0 0,10 5 0,-6-3 0,18 8 0,-19-8 0,-1 7 0,-7-8 0,-6 3 0,0 0 0,19 3 0,-9-1 0,10 3 0,-8-8 0,8 9 0,-4-4 0,54 18 0,-34-4 0,38 5 0,-32-1 0,-6-11 0,-9 4 0,-8-6 0,-6-1 0,13 2 0,-11-2 0,25 2 0,6 1 0,-7-1 0,27 7 0,-28 0 0,20 2 0,-20 1 0,3-8 0,-20 2 0,-8-6 0,-7 0 0,-11-1 0,-1-3 0,-4-3 0,4 2 0,-3 0 0,12 4 0,-1 0 0,3-4 0,1 4 0,-11-4 0,4 4 0,-8-4 0,3-1 0,6 1 0,-8 0 0,12 1 0,-8 2 0,9-7 0,-3 7 0,9-2 0,-4-1 0,5 5 0,1-4 0,5-1 0,-4 5 0,25 1 0,-21-4 0,15 7 0,-26-13 0,4 4 0,-15-1 0,9-3 0,-14 2 0,3-3 0,-4 0 0,-1 0 0,-3 0 0,-1 0 0</inkml:trace>
@@ -2205,7 +2205,7 @@
     <inkml:brush xml:id="br0">
       <inkml:brushProperty name="width" value="0.05" units="cm"/>
       <inkml:brushProperty name="height" value="0.05" units="cm"/>
-      <inkml:brushProperty name="color" value="#66CC00"/>
+      <inkml:brushProperty name="color" value="#7D943C"/>
     </inkml:brush>
   </inkml:definitions>
   <inkml:trace contextRef="#ctx0" brushRef="#br0">1 1316 24575,'12'0'0,"-2"0"0,8 0 0,-8-3 0,7 2 0,-2-3 0,4-1 0,17 0 0,-13 0 0,19 1 0,-16-1 0,0 0 0,18-6 0,-15 1 0,17 0 0,-15-1 0,-5 5 0,4-3 0,-9 4 0,9-1 0,-10-3 0,10 4 0,-9-1 0,3-3 0,-4 4 0,-1-5 0,-5 1 0,4 0 0,-4-4 0,6 2 0,-1-3 0,0 5 0,0-5 0,0 3 0,0-7 0,6 7 0,-5-3 0,5 4 0,-1-4 0,-3 3 0,9-4 0,-10 1 0,10 2 0,-4-6 0,6 6 0,-1-8 0,-5 9 0,4-9 0,2 4 0,1-6 0,19-4 0,-17 4 0,10-4 0,-14 10 0,-5-3 0,4 8 0,-4-8 0,0 7 0,4-7 0,-9 8 0,9-9 0,-10 9 0,5-8 0,0 4 0,-5-4 0,10 2 0,-3-7 0,5 6 0,1-9 0,5 5 0,-5 1 0,4-1 0,15-4 0,-16 4 0,16-4 0,-26 6 0,11-2 0,-10 2 0,11 3 0,-7-3 0,21-6 0,-15 2 0,14-2 0,-13 5 0,-5 5 0,11-2 0,-5-3 0,7 4 0,-1-1 0,1-4 0,0 10 0,-1-5 0,1 11 0,0 1 0,6 5 0,-4 0 0,4 0 0,-12 0 0,4 0 0,-11 0 0,25 0 0,-27 0 0,19 0 0,-24 0 0,0 0 0,-1 0 0,-1 0 0,-3 0 0,9 0 0,-10 0 0,10 0 0,-9 0 0,9 0 0,-4 0 0,0 0 0,4 4 0,-4-2 0,5 7 0,1-3 0,-1-1 0,1 5 0,5-4 0,3 5 0,5 0 0,21 1 0,-15-1 0,15 1 0,-27-1 0,-1 0 0,-1-1 0,-9 5 0,8-3 0,-10 7 0,6-3 0,0 11 0,0-5 0,7 6 0,-6-7 0,11 2 0,-4-1 0,7 7 0,-1-5 0,-4 10 0,3-9 0,-5 2 0,6-4 0,13 9 0,-16-12 0,15 11 0,-25-15 0,11 7 0,-4-1 0,-1 0 0,5-5 0,-11 3 0,11-2 0,-5 4 0,7 1 0,-7-1 0,13 1 0,-11-1 0,11-3 0,9 10 0,-11-14 0,17 9 0,-12-7 0,7-3 0,-1 4 0,-6-6 0,-2 0 0,13 4 0,-16-3 0,10 3 0,-23-5 0,-5-6 0,-1 5 0,1-4 0,-1-1 0,7 5 0,-5-9 0,11 5 0,-11-6 0,5 0 0,-7 0 0,0 0 0,1 0 0,-1 0 0,-5 0 0,-1 0 0,-6 0 0,6 0 0,-5 0 0,-4 0 0,-7 0 0</inkml:trace>
@@ -2233,7 +2233,7 @@
     <inkml:brush xml:id="br0">
       <inkml:brushProperty name="width" value="0.05" units="cm"/>
       <inkml:brushProperty name="height" value="0.05" units="cm"/>
-      <inkml:brushProperty name="color" value="#F6630D"/>
+      <inkml:brushProperty name="color" value="#BA482C"/>
     </inkml:brush>
   </inkml:definitions>
   <inkml:trace contextRef="#ctx0" brushRef="#br0">1 3295 24575,'8'0'0,"0"0"0,0 0 0,5 0 0,-3 0 0,3 0 0,1 0 0,4-4 0,-3 3 0,7-8 0,6-5 0,7-3 0,6-4 0,3 0 0,-5 4 0,1-1 0,4-3 0,-11 4 0,5-5 0,-7 2 0,1-1 0,0-6 0,1-2 0,8-6 0,-6 6 0,5-5 0,-2 11 0,-3-4 0,4-1 0,-8 6 0,2 0 0,-1 2 0,7-5 0,1 1 0,2-5 0,-4 7 0,-6-5 0,0 4 0,9-11 0,-7 6 0,6-2 0,-6-2 0,-1 3 0,1-5 0,-6 1 0,5-1 0,-5 1 0,1 0 0,5-7 0,-11 6 0,5-5 0,0-1 0,-6 7 0,7-13 0,-8 13 0,1-4 0,14-10 0,-11 12 0,11-7 0,-10 11 0,-4 5 0,5-7 0,-2 6 0,-3-3 0,3 9 0,-4-9 0,-2 9 0,2-9 0,-2 10 0,2-10 0,-6 9 0,5-9 0,-4 4 0,0-5 0,5-7 0,-5 5 0,6-5 0,-5 0 0,13-15 0,-11 10 0,11-3 0,-14 16 0,2 10 0,-6-11 0,2 11 0,-4-5 0,0 1 0,-1 3 0,1-3 0,0-1 0,0 5 0,0-5 0,0 1 0,4 3 0,-3-4 0,3 6 0,-5 5 0,0 1 0,-1 4 0,1 0 0,0 1 0,-1 3 0,-3-2 0,3 6 0,-4-7 0,4 4 0,-3-4 0,2-1 0,-2 5 0,0-4 0,3 3 0,-7-3 0,6 3 0,-6-2 0,6 3 0,-2-5 0,-1-4 0,4 3 0,-3 1 0,-1 1 0,4 4 0,-3-9 0,3 3 0,1-2 0,0 3 0,-1 1 0,1-1 0,0-4 0,0-2 0,1-4 0,-1 5 0,0-4 0,5 4 0,-4-6 0,4 6 0,-5-4 0,0 12 0,-4-6 0,-1 7 0,0 0 0,0-6 0,5 5 0,-1-6 0,1-1 0,1-2 0,-1-4 0,1 0 0,-1 5 0,0 0 0,-1 6 0,1-1 0,0 4 0,-5-2 0,4 6 0,-7-7 0,7 4 0,-3-5 0,3 1 0,1-1 0,4-4 0,-3 3 0,8-4 0,-8 5 0,3 0 0,-4 1 0,-1 3 0,5-3 0,6-1 0,1-2 0,3-2 0,1 3 0,-3 0 0,3 0 0,1 0 0,-9 1 0,7 3 0,-13-1 0,3 6 0,-4-3 0,-1 0 0,1 3 0,4-3 0,1 0 0,11 3 0,1-8 0,5 8 0,1-4 0,-6 5 0,4-4 0,-10 3 0,0-4 0,-7 5 0,-4 0 0,0 0 0,-1 0 0,1 0 0,-1 0 0,1 0 0,4 0 0,2 0 0,-1 0 0,4 0 0,-8 0 0,3 0 0,-4 0 0,-1 0 0,1 0 0,-1 0 0,1 0 0,4 0 0,2 0 0,4 4 0,0 1 0,6 5 0,-5 0 0,5-4 0,-7 2 0,-4-3 0,-1-1 0,-5 0 0,1-4 0,-4 4 0,2-3 0,-2 3 0,8 0 0,6 2 0,21 9 0,-5-4 0,17 5 0,-19-6 0,5 1 0,-7 4 0,-5-3 0,4 3 0,-9-6 0,3 1 0,-5 0 0,1-1 0,4 1 0,2 0 0,6 1 0,-1-1 0,0 6 0,1 0 0,-1 0 0,-5 3 0,7-4 0,-16 0 0,5-2 0,-14-4 0,1-1 0,0 1 0,4 0 0,1 0 0,5 5 0,1 6 0,0 1 0,6 10 0,-5-10 0,5 5 0,0 0 0,-6-6 0,6 6 0,-7-7 0,-4 0 0,9 1 0,-7 5 0,14 3 0,-8 4 0,10 2 0,11 21 0,-11-17 0,16 18 0,-21-23 0,8 8 0,-8-6 0,6 5 0,-11-8 0,10 2 0,-10 4 0,10-3 0,-3 11 0,0-5 0,5 8 0,-6-8 0,8 7 0,-1-6 0,1 8 0,-7-9 0,5 7 0,-12-15 0,12 14 0,-12-13 0,11 6 0,11 15 0,-6-8 0,6 9 0,-12-21 0,-12-10 0,-1-10 0,12 11 0,-19-14 0,18 14 0,-17-16 0,12 15 0,-5-13 0,5 8 0,-7-6 0,6 2 0,-5-1 0,5 0 0,-11-6 0,4 4 0,-4 2 0,6 0 0,-6 3 0,13 1 0,-10-3 0,11 6 0,-4-6 0,-3-1 0,3-1 0,1 1 0,-5 0 0,5 1 0,6 3 0,-9-3 0,14 1 0,-16 1 0,24 5 0,-25-7 0,23 11 0,-14-11 0,0 5 0,3-5 0,-7 3 0,-3-8 0,3 3 0,1-4 0,-5 0 0,5 0 0,-11-1 0,8 1 0,-7-6 0,8 1 0,-4-1 0,0-3 0,6 3 0,1 1 0,5-4 0,1 4 0,-6-5 0,4 0 0,-15 0 0,0 0 0,-11 0 0</inkml:trace>
@@ -2261,7 +2261,7 @@
     <inkml:brush xml:id="br0">
       <inkml:brushProperty name="width" value="0.35" units="cm"/>
       <inkml:brushProperty name="height" value="0.35" units="cm"/>
-      <inkml:brushProperty name="color" value="#F6630D"/>
+      <inkml:brushProperty name="color" value="#BA482C"/>
     </inkml:brush>
   </inkml:definitions>
   <inkml:trace contextRef="#ctx0" brushRef="#br0">0 0 24575,'0'0'0</inkml:trace>
@@ -2289,7 +2289,7 @@
     <inkml:brush xml:id="br0">
       <inkml:brushProperty name="width" value="0.05" units="cm"/>
       <inkml:brushProperty name="height" value="0.05" units="cm"/>
-      <inkml:brushProperty name="color" value="#F6630D"/>
+      <inkml:brushProperty name="color" value="#BA482C"/>
     </inkml:brush>
   </inkml:definitions>
   <inkml:trace contextRef="#ctx0" brushRef="#br0">0 624 24575,'13'0'0,"-2"0"0,-2 0 0,4 0 0,-3 0 0,8 0 0,5 0 0,3 0 0,3 0 0,-4 0 0,-1 0 0,-3 0 0,-1 0 0,-3 0 0,-2 0 0,4 0 0,5 0 0,-3-4 0,9-2 0,-4-4 0,0 4 0,3-3 0,-3 3 0,0-4 0,4 0 0,5-5 0,-7 0 0,10-1 0,-12 2 0,5-1 0,1 3 0,-1-3 0,1 0 0,-6 4 0,-2-4 0,-5 6 0,-4 3 0,3-2 0,-9 3 0,9-4 0,-3-1 0,9 0 0,-8 1 0,19-7 0,-12 5 0,15-4 0,0 4 0,1-5 0,6 3 0,9-12 0,-7 11 0,0-6 0,-9 9 0,2-3 0,-7 2 0,7-3 0,5 0 0,-4 3 0,6-3 0,-3 4 0,-5 0 0,6-1 0,1 1 0,-7 5 0,5-4 0,-12 4 0,6 0 0,-7-4 0,1 9 0,-1-8 0,1 8 0,-1-4 0,0 0 0,-5 4 0,-1-3 0,-6 4 0,-1 0 0,-4 0 0,9 0 0,-7-5 0,14 4 0,-10-3 0,10 4 0,3 0 0,0 0 0,4 0 0,-5 0 0,-1 0 0,1 0 0,5 0 0,-4 0 0,10 0 0,-3 0 0,12 6 0,-4 0 0,11 1 0,16 3 0,-16-4 0,22 1 0,-34 3 0,-1-9 0,-2 9 0,-11-9 0,5 9 0,-7-9 0,6 9 0,-4-4 0,11 0 0,-4 4 0,5-4 0,1 5 0,0 1 0,6-6 0,-4 4 0,5-3 0,-8 4 0,1 0 0,-1-4 0,21 8 0,-22-8 0,21 9 0,-26-10 0,0 4 0,-1-9 0,-12 4 0,-1-5 0,-11 0 0,-1 0 0,-4 0 0,-1 0 0,17 0 0,4 0 0,17 0 0,6 0 0,3 0 0,0 0 0,32 0 0,-26 0 0,27 0 0,-26 0 0,-1 0 0,-6 0 0,4 0 0,-4 0 0,6 5 0,1 2 0,0 6 0,0-1 0,7 0 0,-6 1 0,14 0 0,-14-1 0,7 1 0,-9-1 0,0-5 0,-7 3 0,-1-3 0,-8-1 0,1 4 0,-7-9 0,-1 9 0,-7-9 0,0 9 0,-5-9 0,-1 8 0,-6-8 0,4 3 0,-8 0 0,2-3 0,-8 3 0,0-4 0,-1 0 0,1 0 0,4 0 0,-3 0 0,8 0 0,-4 0 0,5 0 0,-4 0 0,-2 0 0,-5 0 0,1 0 0,0 0 0,-1 0 0,5 0 0,7 0 0,6 0 0,6 0 0,-1 4 0,7-3 0,1 9 0,0-9 0,-7 9 0,-7-9 0,-6 7 0,-5-7 0,0 4 0,-6-5 0,1 0 0,-5 0 0,0 0 0</inkml:trace>
@@ -2317,7 +2317,7 @@
     <inkml:brush xml:id="br0">
       <inkml:brushProperty name="width" value="0.05" units="cm"/>
       <inkml:brushProperty name="height" value="0.05" units="cm"/>
-      <inkml:brushProperty name="color" value="#5B2D90"/>
+      <inkml:brushProperty name="color" value="#6968A0"/>
     </inkml:brush>
   </inkml:definitions>
   <inkml:trace contextRef="#ctx0" brushRef="#br0">0 2162 24575,'9'0'0,"3"0"0,-2-4 0,8 3 0,-3-7 0,-1 7 0,0-12 0,5 6 0,33-15 0,-13 4 0,18-1 0,-27 4 0,-9 9 0,9-3 0,-10 3 0,11-9 0,-6 4 0,-3-3 0,7 4 0,-18 1 0,12 3 0,-8-2 0,-1 3 0,-1 0 0,-4 1 0,0 0 0,4-1 0,1-4 0,11-1 0,-5 0 0,10 0 0,-9 0 0,12-4 0,-17 4 0,6 1 0,-13 1 0,4 3 0,1 0 0,5-8 0,6 6 0,1-7 0,5 3 0,1-4 0,-1 4 0,1-4 0,-6 4 0,-2 1 0,-9 1 0,-2 4 0,-4-3 0,4 3 0,1-8 0,26-18 0,-10 7 0,25-19 0,-21 14 0,7-6 0,-8 6 0,1-3 0,-2 9 0,-4-8 0,10 0 0,-8-2 0,6-3 0,-5 8 0,-8-2 0,8 2 0,-3-5 0,1 0 0,3-1 0,-9 2 0,10-2 0,-12 8 0,6-5 0,-7 5 0,7-7 0,-6 7 0,12-7 0,-11 7 0,10-8 0,-9 2 0,9-1 0,-10 6 0,0 1 0,-4 12 0,-8 0 0,3 5 0,-4 4 0,0-7 0,4 1 0,2-8 0,-1 5 0,10-5 0,-8 4 0,8-5 0,-5 6 0,1-4 0,-6 7 0,-1-2 0,1 0 0,0 7 0,5-11 0,6 5 0,-5-3 0,10-4 0,-4 3 0,20-14 0,-11 6 0,4-1 0,-14 10 0,-10 6 0,-2 0 0,-5 4 0,6-3 0,-5 7 0,9-7 0,-3 7 0,9-8 0,2 3 0,6-4 0,-6-1 0,4 6 0,-10-4 0,5 8 0,-6-7 0,-4 7 0,16-4 0,-7 5 0,22 0 0,-13-4 0,11 3 0,-5-9 0,7 9 0,-12-9 0,2 9 0,-15-3 0,-1 0 0,-7 3 0,-4-6 0,-1 6 0,1-7 0,-1 7 0,11-3 0,-4 0 0,21-7 0,-8-5 0,10-6 0,-7 1 0,14 0 0,-15 5 0,14 6 0,-24 1 0,10 8 0,-9-3 0,9 4 0,-10-4 0,10 3 0,-4-4 0,6 5 0,-6 0 0,4 0 0,-4 0 0,0 0 0,-2 0 0,1 0 0,-9 0 0,7 0 0,-13 0 0,3 0 0,-4 0 0,-1 0 0,1 0 0,-1 4 0,0 1 0,5 3 0,1 1 0,11 1 0,1 0 0,11 6 0,3 2 0,5-1 0,1 5 0,-1-5 0,1 1 0,-7 3 0,5-4 0,-11 0 0,5 3 0,-7-3 0,0-1 0,2 10 0,-1-13 0,2 18 0,-8-14 0,5 5 0,-10 2 0,9-7 0,-3 9 0,-1-6 0,4 1 0,-10-6 0,10 4 0,-4-3 0,14 9 0,-6-7 0,6 6 0,-9-8 0,1 0 0,5 5 0,-4-4 0,11 5 0,-3 6 0,5-3 0,3 10 0,-9-11 0,6 5 0,-12-2 0,4-4 0,-5 4 0,-8-7 0,0-4 0,0 2 0,-5-3 0,18 10 0,-15-9 0,15 8 0,-17-9 0,9 1 0,-4 3 0,5-7 0,1 3 0,19 6 0,-14-8 0,21 13 0,-25-14 0,5 4 0,0 0 0,-5-4 0,4 4 0,-5-1 0,-1-4 0,-5 8 0,-1-8 0,-6 3 0,-5-5 0,0 0 0,-6-4 0,1-1 0,-1-4 0,1 4 0,4-3 0,10 7 0,-2-3 0,7 0 0,-14 3 0,0-7 0,-6 3 0,1-4 0,4 5 0,2 0 0,4 4 0,-5 0 0,16-3 0,-13 2 0,19-2 0,-10 4 0,0-5 0,-1 0 0,-11-5 0,0 4 0,11-3 0,-8 7 0,14-7 0,-12 3 0,12 1 0,-3 1 0,9 0 0,-5 4 0,21-3 0,-2 8 0,6-2 0,-17 2 0,-20-6 0,-2 1 0,-8-5 0,3-1 0,-4 0 0,-4-3 0,-1 3 0</inkml:trace>
@@ -2345,7 +2345,7 @@
     <inkml:brush xml:id="br0">
       <inkml:brushProperty name="width" value="0.05" units="cm"/>
       <inkml:brushProperty name="height" value="0.05" units="cm"/>
-      <inkml:brushProperty name="color" value="#5B2D90"/>
+      <inkml:brushProperty name="color" value="#6968A0"/>
     </inkml:brush>
   </inkml:definitions>
   <inkml:trace contextRef="#ctx0" brushRef="#br0">0 4317 24575,'18'0'0,"-1"0"0,2 0 0,6 0 0,-5 0 0,10 0 0,-9 0 0,57-10 0,-34-2 0,50-6 0,-53-3 0,10 8 0,-18-7 0,11 13 0,-11-7 0,0 9 0,-3-1 0,-10-3 0,10 4 0,-4-5 0,0-5 0,4 4 0,-4-8 0,5 7 0,1-8 0,-6 5 0,4-6 0,-4 1 0,0 4 0,12-12 0,-15 15 0,10-14 0,-14 12 0,6-5 0,2-6 0,0-1 0,12-8 0,-9 1 0,11-1 0,-6 1 0,5-7 0,-4 5 0,12-12 0,-12 12 0,11-11 0,-11 11 0,6-11 0,-6 4 0,7-6 0,-11 1 0,16-9 0,-16 2 0,12-8 0,-18 11 0,-2-1 0,18-28-465,-15 20 1,-1-2 464,9-27 0,-14 40 0,-1 0 0,2-25 0,-1 18 0,0 0 0,-5-6 0,-1-3 0,-1-3 0,0-28 0,-6 37 0,0-2 0,-1-3 0,1 1 0,-1 7 0,1 0 0,0-14 0,0 0 0,-1 18 0,0 1 0,1-7 0,-1 1 0,7-32-436,0-1 436,-1 11 0,-1 24 0,-1 11 0,-1 14 0,-4 5 908,-1 7-908,-5 0 457,8 4-457,3-6 0,9-4 0,5 4 0,-3-9 0,4 3 0,-6 1 0,6-5 0,2 3 0,6-6 0,0 0 0,0-1 0,7 0 0,-5 0 0,10 5 0,-10-3 0,2 10 0,-11-3 0,4-1 0,-4 6 0,0-1 0,11-5 0,-10 14 0,11-14 0,-8 11 0,1-5 0,-6 1 0,4 4 0,-10-2 0,10 6 0,-9-6 0,4 3 0,-6 0 0,0 1 0,5-1 0,-3 5 0,9-10 0,-4 9 0,12-5 0,-5 6 0,11-2 0,-11 2 0,4-1 0,1 5 0,-5-3 0,4 8 0,-5-4 0,-6 5 0,4 0 0,-10 0 0,5 0 0,-6 0 0,0 0 0,6 0 0,-10 0 0,17 8 0,-20-5 0,10 9 0,-9-7 0,-3 4 0,3 0 0,-4 0 0,0 4 0,0 1 0,1 5 0,3 0 0,-2 1 0,7-1 0,-7 5 0,7-3 0,-2 9 0,0-4 0,4 5 0,-4 0 0,6 7 0,-6 1 0,5 0 0,-4 5 0,5-5 0,2 14 0,-1-5 0,7 6 0,-6-8 0,6 1 0,-8-7 0,0 4 0,-5-5 0,5 7 0,1 26 0,1-19 0,-1 26 0,-1-31 0,-3 11 0,-1-11 0,4 5 0,-5-14 0,1 5 0,2-11 0,-3 5 0,-1-7 0,4 0 0,-9 1 0,9-1 0,-4 1 0,6 5 0,-1-4 0,2 11 0,4-9 0,-3 9 0,10-2 0,-3 6 0,13 9 0,-12-14 0,19 28 0,-30-27 0,21 26 0,-5 4 0,-3-7 0,-10-22 0,-1-1 0,3 13 0,10 11 0,-4-6-420,23 21 420,-19-15 0,-1-18 0,-1-1 0,1 5 0,2-8 0,5 1 0,28 23 0,-30-29 0,3-1 0,7 2 0,-1-4 0,14 12 0,-13-13 0,-1-4 0,3-4 0,-11 0 0,0 1 0,14 3 0,9 11 0,-2-1 0,0-5 0,-5 5 0,3-6 0,-10 0 0,-1-1 0,-3-5 0,-18-5 420,9-5-420,-11-1 0,0-4 0,-2 3 0,-5-8 0,0 7 0,0-3 0,0 8 0,-4-3 0,-2-2 0,-4-5 0,0-8 0,-5-1 0,0-4 0</inkml:trace>
@@ -2562,7 +2562,7 @@
     <inkml:brush xml:id="br0">
       <inkml:brushProperty name="width" value="0.35" units="cm"/>
       <inkml:brushProperty name="height" value="0.35" units="cm"/>
-      <inkml:brushProperty name="color" value="#F6630D"/>
+      <inkml:brushProperty name="color" value="#BA482C"/>
     </inkml:brush>
   </inkml:definitions>
   <inkml:trace contextRef="#ctx0" brushRef="#br0">0 0 24575,'0'0'0</inkml:trace>
@@ -2860,7 +2860,7 @@
     <inkml:brush xml:id="br0">
       <inkml:brushProperty name="width" value="0.35" units="cm"/>
       <inkml:brushProperty name="height" value="0.35" units="cm"/>
-      <inkml:brushProperty name="color" value="#F6630D"/>
+      <inkml:brushProperty name="color" value="#BA482C"/>
     </inkml:brush>
   </inkml:definitions>
   <inkml:trace contextRef="#ctx0" brushRef="#br0">0 0 24575,'0'0'0</inkml:trace>
@@ -3161,7 +3161,7 @@
     <inkml:brush xml:id="br0">
       <inkml:brushProperty name="width" value="0.35" units="cm"/>
       <inkml:brushProperty name="height" value="0.35" units="cm"/>
-      <inkml:brushProperty name="color" value="#F6630D"/>
+      <inkml:brushProperty name="color" value="#BA482C"/>
     </inkml:brush>
   </inkml:definitions>
   <inkml:trace contextRef="#ctx0" brushRef="#br0">0 1 24575,'0'0'0</inkml:trace>
@@ -3469,7 +3469,7 @@
     <inkml:brush xml:id="br0">
       <inkml:brushProperty name="width" value="0.35" units="cm"/>
       <inkml:brushProperty name="height" value="0.35" units="cm"/>
-      <inkml:brushProperty name="color" value="#5B2D90"/>
+      <inkml:brushProperty name="color" value="#6968A0"/>
     </inkml:brush>
   </inkml:definitions>
   <inkml:trace contextRef="#ctx0" brushRef="#br0">1 0 24575,'0'0'0</inkml:trace>
@@ -3749,7 +3749,7 @@
     <inkml:brush xml:id="br0">
       <inkml:brushProperty name="width" value="0.05" units="cm"/>
       <inkml:brushProperty name="height" value="0.05" units="cm"/>
-      <inkml:brushProperty name="color" value="#66CC00"/>
+      <inkml:brushProperty name="color" value="#7D943C"/>
     </inkml:brush>
   </inkml:definitions>
   <inkml:trace contextRef="#ctx0" brushRef="#br0">0 169 24575,'8'0'0,"5"0"0,7 0 0,12 0 0,1 0 0,5 0 0,-12 0 0,33 0 0,-23-5 0,25-5 0,-32-1 0,15-13 0,-8 6 0,11-3 0,-9 5 0,-1 5 0,-9 5 0,8-8 0,-10 11 0,6-15 0,-6 15 0,4-6 0,-4 9 0,5 0 0,0 0 0,1 0 0,-1 0 0,1 0 0,6 0 0,-5 0 0,4 0 0,15 0 0,-15 0 0,14 0 0,-19 0 0,5 5 0,-4 1 0,5 5 0,-6-1 0,-1 1 0,1 4 0,-1-3 0,-5 2 0,4 1 0,-9-4 0,3 8 0,-5-8 0,0 7 0,0-8 0,1 8 0,-6-3 0,10 1 0,-12 2 0,11-3 0,-8 0 0,10 4 0,-5-4 0,13 5 0,-6 0 0,2-5 0,-4 4 0,-1-8 0,2 3 0,6 1 0,-6 0 0,4 6 0,2 0 0,2 6 0,4-3 0,-4 8 0,6-2 0,-4 4 0,5 2 0,-7-2 0,-1-6 0,-5 4 0,3-4 0,-9-2 0,9 1 0,-5-7 0,0 0 0,7 4 0,-11-8 0,11 7 0,-13-12 0,10 4 0,-4-5 0,6 1 0,-1 4 0,-5-4 0,4 4 0,-4-5 0,5 1 0,-5-1 0,5 0 0,-6 0 0,1 4 0,5-2 0,-6 2 0,7-3 0,-1 4 0,1-4 0,-1 5 0,15 3 0,-11-6 0,10 7 0,-14-10 0,1 1 0,-1-1 0,-5 0 0,4-4 0,-4 3 0,6-3 0,-6 4 0,10-4 0,-9 3 0,25-3 0,-18 0 0,42 6 0,-37-10 0,44 4 0,-25-6 0,21 0 0,1 0 0,-1 0 0,-7 5 0,-2-3 0,12 3 0,-16-5 0,9 0 0,-22 0 0,-7 0 0,-1 0 0,-6 0 0,5 0 0,-4 0 0,5 0 0,1 0 0,-1 0 0,-5 0 0,-2 0 0,-7 0 0,-10 0 0,3 0 0,-14 0 0,3 0 0,-5 0 0,1 0 0,-1 0 0,1 0 0,-1 0 0,5 0 0,1 0 0,6 0 0,-1 0 0,0 0 0,0 0 0,0 0 0,0 0 0,-4 0 0,-2 0 0,-5 0 0,1 0 0,0 0 0,-1 0 0,1 0 0,3 0 0,3 0 0,-1 4 0,4 1 0,2 5 0,1-5 0,3 4 0,-5-8 0,6 8 0,1-8 0,0 8 0,-2-8 0,-4 4 0,-6-5 0,16 5 0,-13-4 0,14 8 0,0-8 0,-9 4 0,14-1 0,-15-3 0,3 4 0,4-5 0,-1 5 0,-3 0 0,-1 0 0,-8-1 0,4 0 0,0-3 0,0 4 0,0-1 0,0-3 0,0 3 0,1 0 0,-6-3 0,-1 4 0,0-1 0,-3-3 0,8 8 0,-8-5 0,3 2 0,-4 1 0,0-6 0,-1 3 0,1-4 0,-1 0 0,1 0 0,0 4 0,3-3 0,-2 3 0,2-4 0,1 4 0,-3-3 0,3 3 0,-4-4 0,0 4 0,-1-3 0,0 3 0,-3-24 0,-2 15 0,-3-15 0</inkml:trace>
@@ -3887,7 +3887,7 @@
           <a:p>
             <a:fld id="{FD09E7E3-754F-D347-9F7E-1F14D51BFFEB}" type="datetimeFigureOut">
               <a:rPr lang="en-US" smtClean="0"/>
-              <a:t>9/14/23</a:t>
+              <a:t>12/20/23</a:t>
             </a:fld>
             <a:endParaRPr lang="en-US"/>
           </a:p>
@@ -4057,7 +4057,7 @@
           <a:p>
             <a:fld id="{FD09E7E3-754F-D347-9F7E-1F14D51BFFEB}" type="datetimeFigureOut">
               <a:rPr lang="en-US" smtClean="0"/>
-              <a:t>9/14/23</a:t>
+              <a:t>12/20/23</a:t>
             </a:fld>
             <a:endParaRPr lang="en-US"/>
           </a:p>
@@ -4237,7 +4237,7 @@
           <a:p>
             <a:fld id="{FD09E7E3-754F-D347-9F7E-1F14D51BFFEB}" type="datetimeFigureOut">
               <a:rPr lang="en-US" smtClean="0"/>
-              <a:t>9/14/23</a:t>
+              <a:t>12/20/23</a:t>
             </a:fld>
             <a:endParaRPr lang="en-US"/>
           </a:p>
@@ -4407,7 +4407,7 @@
           <a:p>
             <a:fld id="{FD09E7E3-754F-D347-9F7E-1F14D51BFFEB}" type="datetimeFigureOut">
               <a:rPr lang="en-US" smtClean="0"/>
-              <a:t>9/14/23</a:t>
+              <a:t>12/20/23</a:t>
             </a:fld>
             <a:endParaRPr lang="en-US"/>
           </a:p>
@@ -4651,7 +4651,7 @@
           <a:p>
             <a:fld id="{FD09E7E3-754F-D347-9F7E-1F14D51BFFEB}" type="datetimeFigureOut">
               <a:rPr lang="en-US" smtClean="0"/>
-              <a:t>9/14/23</a:t>
+              <a:t>12/20/23</a:t>
             </a:fld>
             <a:endParaRPr lang="en-US"/>
           </a:p>
@@ -4883,7 +4883,7 @@
           <a:p>
             <a:fld id="{FD09E7E3-754F-D347-9F7E-1F14D51BFFEB}" type="datetimeFigureOut">
               <a:rPr lang="en-US" smtClean="0"/>
-              <a:t>9/14/23</a:t>
+              <a:t>12/20/23</a:t>
             </a:fld>
             <a:endParaRPr lang="en-US"/>
           </a:p>
@@ -5250,7 +5250,7 @@
           <a:p>
             <a:fld id="{FD09E7E3-754F-D347-9F7E-1F14D51BFFEB}" type="datetimeFigureOut">
               <a:rPr lang="en-US" smtClean="0"/>
-              <a:t>9/14/23</a:t>
+              <a:t>12/20/23</a:t>
             </a:fld>
             <a:endParaRPr lang="en-US"/>
           </a:p>
@@ -5368,7 +5368,7 @@
           <a:p>
             <a:fld id="{FD09E7E3-754F-D347-9F7E-1F14D51BFFEB}" type="datetimeFigureOut">
               <a:rPr lang="en-US" smtClean="0"/>
-              <a:t>9/14/23</a:t>
+              <a:t>12/20/23</a:t>
             </a:fld>
             <a:endParaRPr lang="en-US"/>
           </a:p>
@@ -5463,7 +5463,7 @@
           <a:p>
             <a:fld id="{FD09E7E3-754F-D347-9F7E-1F14D51BFFEB}" type="datetimeFigureOut">
               <a:rPr lang="en-US" smtClean="0"/>
-              <a:t>9/14/23</a:t>
+              <a:t>12/20/23</a:t>
             </a:fld>
             <a:endParaRPr lang="en-US"/>
           </a:p>
@@ -5740,7 +5740,7 @@
           <a:p>
             <a:fld id="{FD09E7E3-754F-D347-9F7E-1F14D51BFFEB}" type="datetimeFigureOut">
               <a:rPr lang="en-US" smtClean="0"/>
-              <a:t>9/14/23</a:t>
+              <a:t>12/20/23</a:t>
             </a:fld>
             <a:endParaRPr lang="en-US"/>
           </a:p>
@@ -5997,7 +5997,7 @@
           <a:p>
             <a:fld id="{FD09E7E3-754F-D347-9F7E-1F14D51BFFEB}" type="datetimeFigureOut">
               <a:rPr lang="en-US" smtClean="0"/>
-              <a:t>9/14/23</a:t>
+              <a:t>12/20/23</a:t>
             </a:fld>
             <a:endParaRPr lang="en-US"/>
           </a:p>
@@ -6210,7 +6210,7 @@
           <a:p>
             <a:fld id="{FD09E7E3-754F-D347-9F7E-1F14D51BFFEB}" type="datetimeFigureOut">
               <a:rPr lang="en-US" smtClean="0"/>
-              <a:t>9/14/23</a:t>
+              <a:t>12/20/23</a:t>
             </a:fld>
             <a:endParaRPr lang="en-US"/>
           </a:p>
@@ -6732,7 +6732,7 @@
         <p:spPr>
           <a:xfrm>
             <a:off x="4287938" y="2122863"/>
-            <a:ext cx="3172374" cy="707886"/>
+            <a:ext cx="3357642" cy="707886"/>
           </a:xfrm>
           <a:prstGeom prst="rect">
             <a:avLst/>
@@ -6747,7 +6747,10 @@
           <a:p>
             <a:pPr algn="ctr"/>
             <a:r>
-              <a:rPr lang="en-US" sz="2000" b="1" dirty="0"/>
+              <a:rPr lang="en-US" sz="2000" b="1" dirty="0">
+                <a:latin typeface="Source Sans Pro" panose="020B0503030403020204" pitchFamily="34" charset="0"/>
+                <a:ea typeface="Source Sans Pro" panose="020B0503030403020204" pitchFamily="34" charset="0"/>
+              </a:rPr>
               <a:t>Homogeneous distribution of effects in the population</a:t>
             </a:r>
           </a:p>
@@ -6767,8 +6770,8 @@
         </p:nvSpPr>
         <p:spPr>
           <a:xfrm>
-            <a:off x="696372" y="2757050"/>
-            <a:ext cx="2614562" cy="400110"/>
+            <a:off x="606476" y="2757050"/>
+            <a:ext cx="2794355" cy="400110"/>
           </a:xfrm>
           <a:prstGeom prst="rect">
             <a:avLst/>
@@ -6783,7 +6786,10 @@
           <a:p>
             <a:pPr algn="ctr"/>
             <a:r>
-              <a:rPr lang="en-US" sz="2000" b="1" dirty="0"/>
+              <a:rPr lang="en-US" sz="2000" b="1" dirty="0">
+                <a:latin typeface="Source Sans Pro" panose="020B0503030403020204" pitchFamily="34" charset="0"/>
+                <a:ea typeface="Source Sans Pro" panose="020B0503030403020204" pitchFamily="34" charset="0"/>
+              </a:rPr>
               <a:t>Representative sample</a:t>
             </a:r>
           </a:p>
@@ -6803,8 +6809,8 @@
         </p:nvSpPr>
         <p:spPr>
           <a:xfrm>
-            <a:off x="835368" y="5985571"/>
-            <a:ext cx="2373149" cy="400110"/>
+            <a:off x="763425" y="5985571"/>
+            <a:ext cx="2517036" cy="400110"/>
           </a:xfrm>
           <a:prstGeom prst="rect">
             <a:avLst/>
@@ -6819,7 +6825,10 @@
           <a:p>
             <a:pPr algn="ctr"/>
             <a:r>
-              <a:rPr lang="en-US" sz="2000" b="1" dirty="0"/>
+              <a:rPr lang="en-US" sz="2000" b="1" dirty="0">
+                <a:latin typeface="Source Sans Pro" panose="020B0503030403020204" pitchFamily="34" charset="0"/>
+                <a:ea typeface="Source Sans Pro" panose="020B0503030403020204" pitchFamily="34" charset="0"/>
+              </a:rPr>
               <a:t>Convenience sample</a:t>
             </a:r>
           </a:p>
@@ -6840,7 +6849,7 @@
         <p:spPr>
           <a:xfrm>
             <a:off x="8270688" y="2125706"/>
-            <a:ext cx="3191707" cy="711799"/>
+            <a:ext cx="3356562" cy="707886"/>
           </a:xfrm>
           <a:prstGeom prst="rect">
             <a:avLst/>
@@ -6855,14 +6864,17 @@
           <a:p>
             <a:pPr algn="ctr"/>
             <a:r>
-              <a:rPr lang="en-US" sz="2000" b="1" dirty="0"/>
+              <a:rPr lang="en-US" sz="2000" b="1" dirty="0">
+                <a:latin typeface="Source Sans Pro" panose="020B0503030403020204" pitchFamily="34" charset="0"/>
+                <a:ea typeface="Source Sans Pro" panose="020B0503030403020204" pitchFamily="34" charset="0"/>
+              </a:rPr>
               <a:t>Heterogeneous distribution of effects in the population</a:t>
             </a:r>
           </a:p>
         </p:txBody>
       </p:sp>
-      <mc:AlternateContent xmlns:mc="http://schemas.openxmlformats.org/markup-compatibility/2006" xmlns:p14="http://schemas.microsoft.com/office/powerpoint/2010/main">
-        <mc:Choice Requires="p14">
+      <mc:AlternateContent xmlns:mc="http://schemas.openxmlformats.org/markup-compatibility/2006">
+        <mc:Choice xmlns:p14="http://schemas.microsoft.com/office/powerpoint/2010/main" Requires="p14">
           <p:contentPart p14:bwMode="auto" r:id="rId5">
             <p14:nvContentPartPr>
               <p14:cNvPr id="239" name="Ink 238">
@@ -6881,7 +6893,7 @@
             </p14:xfrm>
           </p:contentPart>
         </mc:Choice>
-        <mc:Fallback xmlns="">
+        <mc:Fallback>
           <p:pic>
             <p:nvPicPr>
               <p:cNvPr id="239" name="Ink 238">
@@ -6902,7 +6914,7 @@
             </p:blipFill>
             <p:spPr>
               <a:xfrm>
-                <a:off x="1303808" y="7166681"/>
+                <a:off x="1303448" y="7166681"/>
                 <a:ext cx="126000" cy="126000"/>
               </a:xfrm>
               <a:prstGeom prst="rect">
@@ -6912,8 +6924,8 @@
           </p:pic>
         </mc:Fallback>
       </mc:AlternateContent>
-      <mc:AlternateContent xmlns:mc="http://schemas.openxmlformats.org/markup-compatibility/2006" xmlns:p14="http://schemas.microsoft.com/office/powerpoint/2010/main">
-        <mc:Choice Requires="p14">
+      <mc:AlternateContent xmlns:mc="http://schemas.openxmlformats.org/markup-compatibility/2006">
+        <mc:Choice xmlns:p14="http://schemas.microsoft.com/office/powerpoint/2010/main" Requires="p14">
           <p:contentPart p14:bwMode="auto" r:id="rId7">
             <p14:nvContentPartPr>
               <p14:cNvPr id="240" name="Ink 239">
@@ -6932,7 +6944,7 @@
             </p14:xfrm>
           </p:contentPart>
         </mc:Choice>
-        <mc:Fallback xmlns="">
+        <mc:Fallback>
           <p:pic>
             <p:nvPicPr>
               <p:cNvPr id="240" name="Ink 239">
@@ -6953,7 +6965,7 @@
             </p:blipFill>
             <p:spPr>
               <a:xfrm>
-                <a:off x="1148358" y="3587599"/>
+                <a:off x="1147998" y="3587599"/>
                 <a:ext cx="126000" cy="126000"/>
               </a:xfrm>
               <a:prstGeom prst="rect">
@@ -6963,8 +6975,8 @@
           </p:pic>
         </mc:Fallback>
       </mc:AlternateContent>
-      <mc:AlternateContent xmlns:mc="http://schemas.openxmlformats.org/markup-compatibility/2006" xmlns:p14="http://schemas.microsoft.com/office/powerpoint/2010/main">
-        <mc:Choice Requires="p14">
+      <mc:AlternateContent xmlns:mc="http://schemas.openxmlformats.org/markup-compatibility/2006">
+        <mc:Choice xmlns:p14="http://schemas.microsoft.com/office/powerpoint/2010/main" Requires="p14">
           <p:contentPart p14:bwMode="auto" r:id="rId8">
             <p14:nvContentPartPr>
               <p14:cNvPr id="241" name="Ink 240">
@@ -6983,7 +6995,7 @@
             </p14:xfrm>
           </p:contentPart>
         </mc:Choice>
-        <mc:Fallback xmlns="">
+        <mc:Fallback>
           <p:pic>
             <p:nvPicPr>
               <p:cNvPr id="241" name="Ink 240">
@@ -7014,8 +7026,8 @@
           </p:pic>
         </mc:Fallback>
       </mc:AlternateContent>
-      <mc:AlternateContent xmlns:mc="http://schemas.openxmlformats.org/markup-compatibility/2006" xmlns:p14="http://schemas.microsoft.com/office/powerpoint/2010/main">
-        <mc:Choice Requires="p14">
+      <mc:AlternateContent xmlns:mc="http://schemas.openxmlformats.org/markup-compatibility/2006">
+        <mc:Choice xmlns:p14="http://schemas.microsoft.com/office/powerpoint/2010/main" Requires="p14">
           <p:contentPart p14:bwMode="auto" r:id="rId9">
             <p14:nvContentPartPr>
               <p14:cNvPr id="242" name="Ink 241">
@@ -7034,7 +7046,7 @@
             </p14:xfrm>
           </p:contentPart>
         </mc:Choice>
-        <mc:Fallback xmlns="">
+        <mc:Fallback>
           <p:pic>
             <p:nvPicPr>
               <p:cNvPr id="242" name="Ink 241">
@@ -7065,8 +7077,8 @@
           </p:pic>
         </mc:Fallback>
       </mc:AlternateContent>
-      <mc:AlternateContent xmlns:mc="http://schemas.openxmlformats.org/markup-compatibility/2006" xmlns:p14="http://schemas.microsoft.com/office/powerpoint/2010/main">
-        <mc:Choice Requires="p14">
+      <mc:AlternateContent xmlns:mc="http://schemas.openxmlformats.org/markup-compatibility/2006">
+        <mc:Choice xmlns:p14="http://schemas.microsoft.com/office/powerpoint/2010/main" Requires="p14">
           <p:contentPart p14:bwMode="auto" r:id="rId10">
             <p14:nvContentPartPr>
               <p14:cNvPr id="243" name="Ink 242">
@@ -7085,7 +7097,7 @@
             </p14:xfrm>
           </p:contentPart>
         </mc:Choice>
-        <mc:Fallback xmlns="">
+        <mc:Fallback>
           <p:pic>
             <p:nvPicPr>
               <p:cNvPr id="243" name="Ink 242">
@@ -7116,8 +7128,8 @@
           </p:pic>
         </mc:Fallback>
       </mc:AlternateContent>
-      <mc:AlternateContent xmlns:mc="http://schemas.openxmlformats.org/markup-compatibility/2006" xmlns:p14="http://schemas.microsoft.com/office/powerpoint/2010/main">
-        <mc:Choice Requires="p14">
+      <mc:AlternateContent xmlns:mc="http://schemas.openxmlformats.org/markup-compatibility/2006">
+        <mc:Choice xmlns:p14="http://schemas.microsoft.com/office/powerpoint/2010/main" Requires="p14">
           <p:contentPart p14:bwMode="auto" r:id="rId11">
             <p14:nvContentPartPr>
               <p14:cNvPr id="244" name="Ink 243">
@@ -7136,7 +7148,7 @@
             </p14:xfrm>
           </p:contentPart>
         </mc:Choice>
-        <mc:Fallback xmlns="">
+        <mc:Fallback>
           <p:pic>
             <p:nvPicPr>
               <p:cNvPr id="244" name="Ink 243">
@@ -7157,7 +7169,7 @@
             </p:blipFill>
             <p:spPr>
               <a:xfrm>
-                <a:off x="1820118" y="4375639"/>
+                <a:off x="1820118" y="4375279"/>
                 <a:ext cx="126000" cy="126000"/>
               </a:xfrm>
               <a:prstGeom prst="rect">
@@ -7167,8 +7179,8 @@
           </p:pic>
         </mc:Fallback>
       </mc:AlternateContent>
-      <mc:AlternateContent xmlns:mc="http://schemas.openxmlformats.org/markup-compatibility/2006" xmlns:p14="http://schemas.microsoft.com/office/powerpoint/2010/main">
-        <mc:Choice Requires="p14">
+      <mc:AlternateContent xmlns:mc="http://schemas.openxmlformats.org/markup-compatibility/2006">
+        <mc:Choice xmlns:p14="http://schemas.microsoft.com/office/powerpoint/2010/main" Requires="p14">
           <p:contentPart p14:bwMode="auto" r:id="rId12">
             <p14:nvContentPartPr>
               <p14:cNvPr id="245" name="Ink 244">
@@ -7187,7 +7199,7 @@
             </p14:xfrm>
           </p:contentPart>
         </mc:Choice>
-        <mc:Fallback xmlns="">
+        <mc:Fallback>
           <p:pic>
             <p:nvPicPr>
               <p:cNvPr id="245" name="Ink 244">
@@ -7208,7 +7220,7 @@
             </p:blipFill>
             <p:spPr>
               <a:xfrm>
-                <a:off x="1519088" y="6700481"/>
+                <a:off x="1518728" y="6700481"/>
                 <a:ext cx="126000" cy="126000"/>
               </a:xfrm>
               <a:prstGeom prst="rect">
@@ -7218,8 +7230,8 @@
           </p:pic>
         </mc:Fallback>
       </mc:AlternateContent>
-      <mc:AlternateContent xmlns:mc="http://schemas.openxmlformats.org/markup-compatibility/2006" xmlns:p14="http://schemas.microsoft.com/office/powerpoint/2010/main">
-        <mc:Choice Requires="p14">
+      <mc:AlternateContent xmlns:mc="http://schemas.openxmlformats.org/markup-compatibility/2006">
+        <mc:Choice xmlns:p14="http://schemas.microsoft.com/office/powerpoint/2010/main" Requires="p14">
           <p:contentPart p14:bwMode="auto" r:id="rId14">
             <p14:nvContentPartPr>
               <p14:cNvPr id="246" name="Ink 245">
@@ -7238,7 +7250,7 @@
             </p14:xfrm>
           </p:contentPart>
         </mc:Choice>
-        <mc:Fallback xmlns="">
+        <mc:Fallback>
           <p:pic>
             <p:nvPicPr>
               <p:cNvPr id="246" name="Ink 245">
@@ -7259,7 +7271,7 @@
             </p:blipFill>
             <p:spPr>
               <a:xfrm>
-                <a:off x="2190848" y="7209161"/>
+                <a:off x="2190848" y="7208801"/>
                 <a:ext cx="126000" cy="126000"/>
               </a:xfrm>
               <a:prstGeom prst="rect">
@@ -7269,8 +7281,8 @@
           </p:pic>
         </mc:Fallback>
       </mc:AlternateContent>
-      <mc:AlternateContent xmlns:mc="http://schemas.openxmlformats.org/markup-compatibility/2006" xmlns:p14="http://schemas.microsoft.com/office/powerpoint/2010/main">
-        <mc:Choice Requires="p14">
+      <mc:AlternateContent xmlns:mc="http://schemas.openxmlformats.org/markup-compatibility/2006">
+        <mc:Choice xmlns:p14="http://schemas.microsoft.com/office/powerpoint/2010/main" Requires="p14">
           <p:contentPart p14:bwMode="auto" r:id="rId15">
             <p14:nvContentPartPr>
               <p14:cNvPr id="247" name="Ink 246">
@@ -7289,7 +7301,7 @@
             </p14:xfrm>
           </p:contentPart>
         </mc:Choice>
-        <mc:Fallback xmlns="">
+        <mc:Fallback>
           <p:pic>
             <p:nvPicPr>
               <p:cNvPr id="247" name="Ink 246">
@@ -7320,8 +7332,8 @@
           </p:pic>
         </mc:Fallback>
       </mc:AlternateContent>
-      <mc:AlternateContent xmlns:mc="http://schemas.openxmlformats.org/markup-compatibility/2006" xmlns:p14="http://schemas.microsoft.com/office/powerpoint/2010/main">
-        <mc:Choice Requires="p14">
+      <mc:AlternateContent xmlns:mc="http://schemas.openxmlformats.org/markup-compatibility/2006">
+        <mc:Choice xmlns:p14="http://schemas.microsoft.com/office/powerpoint/2010/main" Requires="p14">
           <p:contentPart p14:bwMode="auto" r:id="rId16">
             <p14:nvContentPartPr>
               <p14:cNvPr id="248" name="Ink 247">
@@ -7340,7 +7352,7 @@
             </p14:xfrm>
           </p:contentPart>
         </mc:Choice>
-        <mc:Fallback xmlns="">
+        <mc:Fallback>
           <p:pic>
             <p:nvPicPr>
               <p:cNvPr id="248" name="Ink 247">
@@ -7371,8 +7383,8 @@
           </p:pic>
         </mc:Fallback>
       </mc:AlternateContent>
-      <mc:AlternateContent xmlns:mc="http://schemas.openxmlformats.org/markup-compatibility/2006" xmlns:p14="http://schemas.microsoft.com/office/powerpoint/2010/main">
-        <mc:Choice Requires="p14">
+      <mc:AlternateContent xmlns:mc="http://schemas.openxmlformats.org/markup-compatibility/2006">
+        <mc:Choice xmlns:p14="http://schemas.microsoft.com/office/powerpoint/2010/main" Requires="p14">
           <p:contentPart p14:bwMode="auto" r:id="rId17">
             <p14:nvContentPartPr>
               <p14:cNvPr id="249" name="Ink 248">
@@ -7391,7 +7403,7 @@
             </p14:xfrm>
           </p:contentPart>
         </mc:Choice>
-        <mc:Fallback xmlns="">
+        <mc:Fallback>
           <p:pic>
             <p:nvPicPr>
               <p:cNvPr id="249" name="Ink 248">
@@ -7412,7 +7424,7 @@
             </p:blipFill>
             <p:spPr>
               <a:xfrm>
-                <a:off x="1148648" y="8355761"/>
+                <a:off x="1148648" y="8355401"/>
                 <a:ext cx="126000" cy="126000"/>
               </a:xfrm>
               <a:prstGeom prst="rect">
@@ -7422,8 +7434,8 @@
           </p:pic>
         </mc:Fallback>
       </mc:AlternateContent>
-      <mc:AlternateContent xmlns:mc="http://schemas.openxmlformats.org/markup-compatibility/2006" xmlns:p14="http://schemas.microsoft.com/office/powerpoint/2010/main">
-        <mc:Choice Requires="p14">
+      <mc:AlternateContent xmlns:mc="http://schemas.openxmlformats.org/markup-compatibility/2006">
+        <mc:Choice xmlns:p14="http://schemas.microsoft.com/office/powerpoint/2010/main" Requires="p14">
           <p:contentPart p14:bwMode="auto" r:id="rId18">
             <p14:nvContentPartPr>
               <p14:cNvPr id="250" name="Ink 249">
@@ -7442,7 +7454,7 @@
             </p14:xfrm>
           </p:contentPart>
         </mc:Choice>
-        <mc:Fallback xmlns="">
+        <mc:Fallback>
           <p:pic>
             <p:nvPicPr>
               <p:cNvPr id="250" name="Ink 249">
@@ -7463,7 +7475,7 @@
             </p:blipFill>
             <p:spPr>
               <a:xfrm>
-                <a:off x="2574248" y="7634681"/>
+                <a:off x="2573888" y="7634681"/>
                 <a:ext cx="126000" cy="126000"/>
               </a:xfrm>
               <a:prstGeom prst="rect">
@@ -7473,8 +7485,8 @@
           </p:pic>
         </mc:Fallback>
       </mc:AlternateContent>
-      <mc:AlternateContent xmlns:mc="http://schemas.openxmlformats.org/markup-compatibility/2006" xmlns:p14="http://schemas.microsoft.com/office/powerpoint/2010/main">
-        <mc:Choice Requires="p14">
+      <mc:AlternateContent xmlns:mc="http://schemas.openxmlformats.org/markup-compatibility/2006">
+        <mc:Choice xmlns:p14="http://schemas.microsoft.com/office/powerpoint/2010/main" Requires="p14">
           <p:contentPart p14:bwMode="auto" r:id="rId19">
             <p14:nvContentPartPr>
               <p14:cNvPr id="251" name="Ink 250">
@@ -7493,7 +7505,7 @@
             </p14:xfrm>
           </p:contentPart>
         </mc:Choice>
-        <mc:Fallback xmlns="">
+        <mc:Fallback>
           <p:pic>
             <p:nvPicPr>
               <p:cNvPr id="251" name="Ink 250">
@@ -7514,7 +7526,7 @@
             </p:blipFill>
             <p:spPr>
               <a:xfrm>
-                <a:off x="2636168" y="6812801"/>
+                <a:off x="2635808" y="6812801"/>
                 <a:ext cx="126000" cy="126000"/>
               </a:xfrm>
               <a:prstGeom prst="rect">
@@ -7524,8 +7536,8 @@
           </p:pic>
         </mc:Fallback>
       </mc:AlternateContent>
-      <mc:AlternateContent xmlns:mc="http://schemas.openxmlformats.org/markup-compatibility/2006" xmlns:p14="http://schemas.microsoft.com/office/powerpoint/2010/main">
-        <mc:Choice Requires="p14">
+      <mc:AlternateContent xmlns:mc="http://schemas.openxmlformats.org/markup-compatibility/2006">
+        <mc:Choice xmlns:p14="http://schemas.microsoft.com/office/powerpoint/2010/main" Requires="p14">
           <p:contentPart p14:bwMode="auto" r:id="rId20">
             <p14:nvContentPartPr>
               <p14:cNvPr id="252" name="Ink 251">
@@ -7544,7 +7556,7 @@
             </p14:xfrm>
           </p:contentPart>
         </mc:Choice>
-        <mc:Fallback xmlns="">
+        <mc:Fallback>
           <p:pic>
             <p:nvPicPr>
               <p:cNvPr id="252" name="Ink 251">
@@ -7565,7 +7577,7 @@
             </p:blipFill>
             <p:spPr>
               <a:xfrm>
-                <a:off x="2916608" y="8392841"/>
+                <a:off x="2916248" y="8392481"/>
                 <a:ext cx="126000" cy="126000"/>
               </a:xfrm>
               <a:prstGeom prst="rect">
@@ -7575,8 +7587,8 @@
           </p:pic>
         </mc:Fallback>
       </mc:AlternateContent>
-      <mc:AlternateContent xmlns:mc="http://schemas.openxmlformats.org/markup-compatibility/2006" xmlns:p14="http://schemas.microsoft.com/office/powerpoint/2010/main">
-        <mc:Choice Requires="p14">
+      <mc:AlternateContent xmlns:mc="http://schemas.openxmlformats.org/markup-compatibility/2006">
+        <mc:Choice xmlns:p14="http://schemas.microsoft.com/office/powerpoint/2010/main" Requires="p14">
           <p:contentPart p14:bwMode="auto" r:id="rId21">
             <p14:nvContentPartPr>
               <p14:cNvPr id="253" name="Ink 252">
@@ -7595,7 +7607,7 @@
             </p14:xfrm>
           </p:contentPart>
         </mc:Choice>
-        <mc:Fallback xmlns="">
+        <mc:Fallback>
           <p:pic>
             <p:nvPicPr>
               <p:cNvPr id="253" name="Ink 252">
@@ -7626,8 +7638,8 @@
           </p:pic>
         </mc:Fallback>
       </mc:AlternateContent>
-      <mc:AlternateContent xmlns:mc="http://schemas.openxmlformats.org/markup-compatibility/2006" xmlns:p14="http://schemas.microsoft.com/office/powerpoint/2010/main">
-        <mc:Choice Requires="p14">
+      <mc:AlternateContent xmlns:mc="http://schemas.openxmlformats.org/markup-compatibility/2006">
+        <mc:Choice xmlns:p14="http://schemas.microsoft.com/office/powerpoint/2010/main" Requires="p14">
           <p:contentPart p14:bwMode="auto" r:id="rId22">
             <p14:nvContentPartPr>
               <p14:cNvPr id="254" name="Ink 253">
@@ -7646,7 +7658,7 @@
             </p14:xfrm>
           </p:contentPart>
         </mc:Choice>
-        <mc:Fallback xmlns="">
+        <mc:Fallback>
           <p:pic>
             <p:nvPicPr>
               <p:cNvPr id="254" name="Ink 253">
@@ -7667,7 +7679,7 @@
             </p:blipFill>
             <p:spPr>
               <a:xfrm>
-                <a:off x="1989678" y="4012399"/>
+                <a:off x="1989678" y="4012039"/>
                 <a:ext cx="126000" cy="126000"/>
               </a:xfrm>
               <a:prstGeom prst="rect">
@@ -7677,8 +7689,8 @@
           </p:pic>
         </mc:Fallback>
       </mc:AlternateContent>
-      <mc:AlternateContent xmlns:mc="http://schemas.openxmlformats.org/markup-compatibility/2006" xmlns:p14="http://schemas.microsoft.com/office/powerpoint/2010/main">
-        <mc:Choice Requires="p14">
+      <mc:AlternateContent xmlns:mc="http://schemas.openxmlformats.org/markup-compatibility/2006">
+        <mc:Choice xmlns:p14="http://schemas.microsoft.com/office/powerpoint/2010/main" Requires="p14">
           <p:contentPart p14:bwMode="auto" r:id="rId23">
             <p14:nvContentPartPr>
               <p14:cNvPr id="255" name="Ink 254">
@@ -7697,7 +7709,7 @@
             </p14:xfrm>
           </p:contentPart>
         </mc:Choice>
-        <mc:Fallback xmlns="">
+        <mc:Fallback>
           <p:pic>
             <p:nvPicPr>
               <p:cNvPr id="255" name="Ink 254">
@@ -7718,7 +7730,7 @@
             </p:blipFill>
             <p:spPr>
               <a:xfrm>
-                <a:off x="2617158" y="4764799"/>
+                <a:off x="2617158" y="4764439"/>
                 <a:ext cx="126000" cy="126000"/>
               </a:xfrm>
               <a:prstGeom prst="rect">
@@ -7728,8 +7740,8 @@
           </p:pic>
         </mc:Fallback>
       </mc:AlternateContent>
-      <mc:AlternateContent xmlns:mc="http://schemas.openxmlformats.org/markup-compatibility/2006" xmlns:p14="http://schemas.microsoft.com/office/powerpoint/2010/main">
-        <mc:Choice Requires="p14">
+      <mc:AlternateContent xmlns:mc="http://schemas.openxmlformats.org/markup-compatibility/2006">
+        <mc:Choice xmlns:p14="http://schemas.microsoft.com/office/powerpoint/2010/main" Requires="p14">
           <p:contentPart p14:bwMode="auto" r:id="rId24">
             <p14:nvContentPartPr>
               <p14:cNvPr id="256" name="Ink 255">
@@ -7748,7 +7760,7 @@
             </p14:xfrm>
           </p:contentPart>
         </mc:Choice>
-        <mc:Fallback xmlns="">
+        <mc:Fallback>
           <p:pic>
             <p:nvPicPr>
               <p:cNvPr id="256" name="Ink 255">
@@ -7769,7 +7781,7 @@
             </p:blipFill>
             <p:spPr>
               <a:xfrm>
-                <a:off x="2131448" y="7796681"/>
+                <a:off x="2131448" y="7796321"/>
                 <a:ext cx="126000" cy="126000"/>
               </a:xfrm>
               <a:prstGeom prst="rect">
@@ -7779,8 +7791,8 @@
           </p:pic>
         </mc:Fallback>
       </mc:AlternateContent>
-      <mc:AlternateContent xmlns:mc="http://schemas.openxmlformats.org/markup-compatibility/2006" xmlns:p14="http://schemas.microsoft.com/office/powerpoint/2010/main">
-        <mc:Choice Requires="p14">
+      <mc:AlternateContent xmlns:mc="http://schemas.openxmlformats.org/markup-compatibility/2006">
+        <mc:Choice xmlns:p14="http://schemas.microsoft.com/office/powerpoint/2010/main" Requires="p14">
           <p:contentPart p14:bwMode="auto" r:id="rId26">
             <p14:nvContentPartPr>
               <p14:cNvPr id="257" name="Ink 256">
@@ -7799,7 +7811,7 @@
             </p14:xfrm>
           </p:contentPart>
         </mc:Choice>
-        <mc:Fallback xmlns="">
+        <mc:Fallback>
           <p:pic>
             <p:nvPicPr>
               <p:cNvPr id="257" name="Ink 256">
@@ -7820,7 +7832,7 @@
             </p:blipFill>
             <p:spPr>
               <a:xfrm>
-                <a:off x="1455798" y="4928599"/>
+                <a:off x="1455438" y="4928599"/>
                 <a:ext cx="126000" cy="126000"/>
               </a:xfrm>
               <a:prstGeom prst="rect">
@@ -7830,8 +7842,8 @@
           </p:pic>
         </mc:Fallback>
       </mc:AlternateContent>
-      <mc:AlternateContent xmlns:mc="http://schemas.openxmlformats.org/markup-compatibility/2006" xmlns:p14="http://schemas.microsoft.com/office/powerpoint/2010/main">
-        <mc:Choice Requires="p14">
+      <mc:AlternateContent xmlns:mc="http://schemas.openxmlformats.org/markup-compatibility/2006">
+        <mc:Choice xmlns:p14="http://schemas.microsoft.com/office/powerpoint/2010/main" Requires="p14">
           <p:contentPart p14:bwMode="auto" r:id="rId27">
             <p14:nvContentPartPr>
               <p14:cNvPr id="258" name="Ink 257">
@@ -7850,7 +7862,7 @@
             </p14:xfrm>
           </p:contentPart>
         </mc:Choice>
-        <mc:Fallback xmlns="">
+        <mc:Fallback>
           <p:pic>
             <p:nvPicPr>
               <p:cNvPr id="258" name="Ink 257">
@@ -7871,7 +7883,7 @@
             </p:blipFill>
             <p:spPr>
               <a:xfrm>
-                <a:off x="2176158" y="4847599"/>
+                <a:off x="2175798" y="4847599"/>
                 <a:ext cx="126000" cy="126000"/>
               </a:xfrm>
               <a:prstGeom prst="rect">
@@ -7896,7 +7908,7 @@
         <p:spPr>
           <a:xfrm>
             <a:off x="5527568" y="5418495"/>
-            <a:ext cx="1109984" cy="369332"/>
+            <a:ext cx="1149674" cy="369332"/>
           </a:xfrm>
           <a:prstGeom prst="rect">
             <a:avLst/>
@@ -7910,7 +7922,10 @@
           <a:lstStyle/>
           <a:p>
             <a:r>
-              <a:rPr lang="en-US" dirty="0"/>
+              <a:rPr lang="en-US" dirty="0">
+                <a:latin typeface="Source Sans Pro" panose="020B0503030403020204" pitchFamily="34" charset="0"/>
+                <a:ea typeface="Source Sans Pro" panose="020B0503030403020204" pitchFamily="34" charset="0"/>
+              </a:rPr>
               <a:t>Effect size</a:t>
             </a:r>
           </a:p>
@@ -7930,8 +7945,8 @@
         </p:nvSpPr>
         <p:spPr>
           <a:xfrm rot="16200000">
-            <a:off x="3749828" y="3896078"/>
-            <a:ext cx="1294585" cy="369332"/>
+            <a:off x="3730111" y="3896078"/>
+            <a:ext cx="1334020" cy="369332"/>
           </a:xfrm>
           <a:prstGeom prst="rect">
             <a:avLst/>
@@ -7945,7 +7960,10 @@
           <a:lstStyle/>
           <a:p>
             <a:r>
-              <a:rPr lang="en-US" dirty="0"/>
+              <a:rPr lang="en-US" dirty="0">
+                <a:latin typeface="Source Sans Pro" panose="020B0503030403020204" pitchFamily="34" charset="0"/>
+                <a:ea typeface="Source Sans Pro" panose="020B0503030403020204" pitchFamily="34" charset="0"/>
+              </a:rPr>
               <a:t>Distribution</a:t>
             </a:r>
           </a:p>
@@ -9279,8 +9297,8 @@
             </mc:Fallback>
           </mc:AlternateContent>
         </p:grpSp>
-        <mc:AlternateContent xmlns:mc="http://schemas.openxmlformats.org/markup-compatibility/2006" xmlns:p14="http://schemas.microsoft.com/office/powerpoint/2010/main">
-          <mc:Choice Requires="p14">
+        <mc:AlternateContent xmlns:mc="http://schemas.openxmlformats.org/markup-compatibility/2006">
+          <mc:Choice xmlns:p14="http://schemas.microsoft.com/office/powerpoint/2010/main" Requires="p14">
             <p:contentPart p14:bwMode="auto" r:id="rId64">
               <p14:nvContentPartPr>
                 <p14:cNvPr id="259" name="Ink 258">
@@ -9299,7 +9317,7 @@
               </p14:xfrm>
             </p:contentPart>
           </mc:Choice>
-          <mc:Fallback xmlns="">
+          <mc:Fallback>
             <p:pic>
               <p:nvPicPr>
                 <p:cNvPr id="259" name="Ink 258">
@@ -9320,8 +9338,8 @@
               </p:blipFill>
               <p:spPr>
                 <a:xfrm>
-                  <a:off x="8723048" y="8271881"/>
-                  <a:ext cx="2128320" cy="253440"/>
+                  <a:off x="8723048" y="8271507"/>
+                  <a:ext cx="2128320" cy="253467"/>
                 </a:xfrm>
                 <a:prstGeom prst="rect">
                   <a:avLst/>
@@ -9330,8 +9348,8 @@
             </p:pic>
           </mc:Fallback>
         </mc:AlternateContent>
-        <mc:AlternateContent xmlns:mc="http://schemas.openxmlformats.org/markup-compatibility/2006" xmlns:p14="http://schemas.microsoft.com/office/powerpoint/2010/main">
-          <mc:Choice Requires="p14">
+        <mc:AlternateContent xmlns:mc="http://schemas.openxmlformats.org/markup-compatibility/2006">
+          <mc:Choice xmlns:p14="http://schemas.microsoft.com/office/powerpoint/2010/main" Requires="p14">
             <p:contentPart p14:bwMode="auto" r:id="rId66">
               <p14:nvContentPartPr>
                 <p14:cNvPr id="262" name="Ink 261">
@@ -9350,7 +9368,7 @@
               </p14:xfrm>
             </p:contentPart>
           </mc:Choice>
-          <mc:Fallback xmlns="">
+          <mc:Fallback>
             <p:pic>
               <p:nvPicPr>
                 <p:cNvPr id="262" name="Ink 261">
@@ -9371,8 +9389,8 @@
               </p:blipFill>
               <p:spPr>
                 <a:xfrm>
-                  <a:off x="8677688" y="4740533"/>
-                  <a:ext cx="2422080" cy="491760"/>
+                  <a:off x="8677328" y="4740166"/>
+                  <a:ext cx="2422080" cy="491773"/>
                 </a:xfrm>
                 <a:prstGeom prst="rect">
                   <a:avLst/>
@@ -9381,8 +9399,8 @@
             </p:pic>
           </mc:Fallback>
         </mc:AlternateContent>
-        <mc:AlternateContent xmlns:mc="http://schemas.openxmlformats.org/markup-compatibility/2006" xmlns:p14="http://schemas.microsoft.com/office/powerpoint/2010/main">
-          <mc:Choice Requires="p14">
+        <mc:AlternateContent xmlns:mc="http://schemas.openxmlformats.org/markup-compatibility/2006">
+          <mc:Choice xmlns:p14="http://schemas.microsoft.com/office/powerpoint/2010/main" Requires="p14">
             <p:contentPart p14:bwMode="auto" r:id="rId68">
               <p14:nvContentPartPr>
                 <p14:cNvPr id="271" name="Ink 270">
@@ -9401,7 +9419,7 @@
               </p14:xfrm>
             </p:contentPart>
           </mc:Choice>
-          <mc:Fallback xmlns="">
+          <mc:Fallback>
             <p:pic>
               <p:nvPicPr>
                 <p:cNvPr id="271" name="Ink 270">
@@ -9422,7 +9440,7 @@
               </p:blipFill>
               <p:spPr>
                 <a:xfrm>
-                  <a:off x="8565798" y="4013119"/>
+                  <a:off x="8565438" y="4012759"/>
                   <a:ext cx="2640240" cy="1203840"/>
                 </a:xfrm>
                 <a:prstGeom prst="rect">
@@ -9432,8 +9450,8 @@
             </p:pic>
           </mc:Fallback>
         </mc:AlternateContent>
-        <mc:AlternateContent xmlns:mc="http://schemas.openxmlformats.org/markup-compatibility/2006" xmlns:p14="http://schemas.microsoft.com/office/powerpoint/2010/main">
-          <mc:Choice Requires="p14">
+        <mc:AlternateContent xmlns:mc="http://schemas.openxmlformats.org/markup-compatibility/2006">
+          <mc:Choice xmlns:p14="http://schemas.microsoft.com/office/powerpoint/2010/main" Requires="p14">
             <p:contentPart p14:bwMode="auto" r:id="rId70">
               <p14:nvContentPartPr>
                 <p14:cNvPr id="273" name="Ink 272">
@@ -9452,7 +9470,7 @@
               </p14:xfrm>
             </p:contentPart>
           </mc:Choice>
-          <mc:Fallback xmlns="">
+          <mc:Fallback>
             <p:pic>
               <p:nvPicPr>
                 <p:cNvPr id="273" name="Ink 272">
@@ -9483,8 +9501,8 @@
             </p:pic>
           </mc:Fallback>
         </mc:AlternateContent>
-        <mc:AlternateContent xmlns:mc="http://schemas.openxmlformats.org/markup-compatibility/2006" xmlns:p14="http://schemas.microsoft.com/office/powerpoint/2010/main">
-          <mc:Choice Requires="p14">
+        <mc:AlternateContent xmlns:mc="http://schemas.openxmlformats.org/markup-compatibility/2006">
+          <mc:Choice xmlns:p14="http://schemas.microsoft.com/office/powerpoint/2010/main" Requires="p14">
             <p:contentPart p14:bwMode="auto" r:id="rId72">
               <p14:nvContentPartPr>
                 <p14:cNvPr id="276" name="Ink 275">
@@ -9503,7 +9521,7 @@
               </p14:xfrm>
             </p:contentPart>
           </mc:Choice>
-          <mc:Fallback xmlns="">
+          <mc:Fallback>
             <p:pic>
               <p:nvPicPr>
                 <p:cNvPr id="276" name="Ink 275">
@@ -9524,8 +9542,8 @@
               </p:blipFill>
               <p:spPr>
                 <a:xfrm>
-                  <a:off x="8648598" y="4441879"/>
-                  <a:ext cx="2661480" cy="795960"/>
+                  <a:off x="8648599" y="4441883"/>
+                  <a:ext cx="2661478" cy="795952"/>
                 </a:xfrm>
                 <a:prstGeom prst="rect">
                   <a:avLst/>
@@ -9534,8 +9552,8 @@
             </p:pic>
           </mc:Fallback>
         </mc:AlternateContent>
-        <mc:AlternateContent xmlns:mc="http://schemas.openxmlformats.org/markup-compatibility/2006" xmlns:p14="http://schemas.microsoft.com/office/powerpoint/2010/main">
-          <mc:Choice Requires="p14">
+        <mc:AlternateContent xmlns:mc="http://schemas.openxmlformats.org/markup-compatibility/2006">
+          <mc:Choice xmlns:p14="http://schemas.microsoft.com/office/powerpoint/2010/main" Requires="p14">
             <p:contentPart p14:bwMode="auto" r:id="rId74">
               <p14:nvContentPartPr>
                 <p14:cNvPr id="277" name="Ink 276">
@@ -9554,7 +9572,7 @@
               </p14:xfrm>
             </p:contentPart>
           </mc:Choice>
-          <mc:Fallback xmlns="">
+          <mc:Fallback>
             <p:pic>
               <p:nvPicPr>
                 <p:cNvPr id="277" name="Ink 276">
@@ -9575,7 +9593,7 @@
               </p:blipFill>
               <p:spPr>
                 <a:xfrm>
-                  <a:off x="8537288" y="6916481"/>
+                  <a:off x="8537288" y="6916121"/>
                   <a:ext cx="2529000" cy="1571760"/>
                 </a:xfrm>
                 <a:prstGeom prst="rect">
@@ -10807,7 +10825,7 @@
         <p:spPr>
           <a:xfrm>
             <a:off x="6129000" y="3032085"/>
-            <a:ext cx="1233896" cy="646331"/>
+            <a:ext cx="1381964" cy="646331"/>
           </a:xfrm>
           <a:prstGeom prst="rect">
             <a:avLst/>
@@ -10828,6 +10846,8 @@
                     <a:lumOff val="50000"/>
                   </a:schemeClr>
                 </a:solidFill>
+                <a:latin typeface="Source Sans Pro" panose="020B0503030403020204" pitchFamily="34" charset="0"/>
+                <a:ea typeface="Source Sans Pro" panose="020B0503030403020204" pitchFamily="34" charset="0"/>
               </a:rPr>
               <a:t>Population mean</a:t>
             </a:r>
@@ -10864,7 +10884,10 @@
           <a:p>
             <a:pPr algn="r"/>
             <a:r>
-              <a:rPr lang="en-US" dirty="0"/>
+              <a:rPr lang="en-US" dirty="0">
+                <a:latin typeface="Source Sans Pro" panose="020B0503030403020204" pitchFamily="34" charset="0"/>
+                <a:ea typeface="Source Sans Pro" panose="020B0503030403020204" pitchFamily="34" charset="0"/>
+              </a:rPr>
               <a:t>Sample mean</a:t>
             </a:r>
           </a:p>
@@ -12198,8 +12221,8 @@
             </mc:Fallback>
           </mc:AlternateContent>
         </p:grpSp>
-        <mc:AlternateContent xmlns:mc="http://schemas.openxmlformats.org/markup-compatibility/2006" xmlns:p14="http://schemas.microsoft.com/office/powerpoint/2010/main">
-          <mc:Choice Requires="p14">
+        <mc:AlternateContent xmlns:mc="http://schemas.openxmlformats.org/markup-compatibility/2006">
+          <mc:Choice xmlns:p14="http://schemas.microsoft.com/office/powerpoint/2010/main" Requires="p14">
             <p:contentPart p14:bwMode="auto" r:id="rId133">
               <p14:nvContentPartPr>
                 <p14:cNvPr id="268" name="Ink 267">
@@ -12218,7 +12241,7 @@
               </p14:xfrm>
             </p:contentPart>
           </mc:Choice>
-          <mc:Fallback xmlns="">
+          <mc:Fallback>
             <p:pic>
               <p:nvPicPr>
                 <p:cNvPr id="268" name="Ink 267">
@@ -12249,8 +12272,8 @@
             </p:pic>
           </mc:Fallback>
         </mc:AlternateContent>
-        <mc:AlternateContent xmlns:mc="http://schemas.openxmlformats.org/markup-compatibility/2006" xmlns:p14="http://schemas.microsoft.com/office/powerpoint/2010/main">
-          <mc:Choice Requires="p14">
+        <mc:AlternateContent xmlns:mc="http://schemas.openxmlformats.org/markup-compatibility/2006">
+          <mc:Choice xmlns:p14="http://schemas.microsoft.com/office/powerpoint/2010/main" Requires="p14">
             <p:contentPart p14:bwMode="auto" r:id="rId135">
               <p14:nvContentPartPr>
                 <p14:cNvPr id="269" name="Ink 268">
@@ -12269,7 +12292,7 @@
               </p14:xfrm>
             </p:contentPart>
           </mc:Choice>
-          <mc:Fallback xmlns="">
+          <mc:Fallback>
             <p:pic>
               <p:nvPicPr>
                 <p:cNvPr id="269" name="Ink 268">
@@ -12300,8 +12323,8 @@
             </p:pic>
           </mc:Fallback>
         </mc:AlternateContent>
-        <mc:AlternateContent xmlns:mc="http://schemas.openxmlformats.org/markup-compatibility/2006" xmlns:p14="http://schemas.microsoft.com/office/powerpoint/2010/main">
-          <mc:Choice Requires="p14">
+        <mc:AlternateContent xmlns:mc="http://schemas.openxmlformats.org/markup-compatibility/2006">
+          <mc:Choice xmlns:p14="http://schemas.microsoft.com/office/powerpoint/2010/main" Requires="p14">
             <p:contentPart p14:bwMode="auto" r:id="rId137">
               <p14:nvContentPartPr>
                 <p14:cNvPr id="270" name="Ink 269">
@@ -12320,7 +12343,7 @@
               </p14:xfrm>
             </p:contentPart>
           </mc:Choice>
-          <mc:Fallback xmlns="">
+          <mc:Fallback>
             <p:pic>
               <p:nvPicPr>
                 <p:cNvPr id="270" name="Ink 269">
@@ -12341,7 +12364,7 @@
               </p:blipFill>
               <p:spPr>
                 <a:xfrm>
-                  <a:off x="4900638" y="3914839"/>
+                  <a:off x="4900278" y="3914479"/>
                   <a:ext cx="2319120" cy="1222560"/>
                 </a:xfrm>
                 <a:prstGeom prst="rect">
@@ -12351,8 +12374,8 @@
             </p:pic>
           </mc:Fallback>
         </mc:AlternateContent>
-        <mc:AlternateContent xmlns:mc="http://schemas.openxmlformats.org/markup-compatibility/2006" xmlns:p14="http://schemas.microsoft.com/office/powerpoint/2010/main">
-          <mc:Choice Requires="p14">
+        <mc:AlternateContent xmlns:mc="http://schemas.openxmlformats.org/markup-compatibility/2006">
+          <mc:Choice xmlns:p14="http://schemas.microsoft.com/office/powerpoint/2010/main" Requires="p14">
             <p:contentPart p14:bwMode="auto" r:id="rId139">
               <p14:nvContentPartPr>
                 <p14:cNvPr id="272" name="Ink 271">
@@ -12371,7 +12394,7 @@
               </p14:xfrm>
             </p:contentPart>
           </mc:Choice>
-          <mc:Fallback xmlns="">
+          <mc:Fallback>
             <p:pic>
               <p:nvPicPr>
                 <p:cNvPr id="272" name="Ink 271">
@@ -12402,8 +12425,8 @@
             </p:pic>
           </mc:Fallback>
         </mc:AlternateContent>
-        <mc:AlternateContent xmlns:mc="http://schemas.openxmlformats.org/markup-compatibility/2006" xmlns:p14="http://schemas.microsoft.com/office/powerpoint/2010/main">
-          <mc:Choice Requires="p14">
+        <mc:AlternateContent xmlns:mc="http://schemas.openxmlformats.org/markup-compatibility/2006">
+          <mc:Choice xmlns:p14="http://schemas.microsoft.com/office/powerpoint/2010/main" Requires="p14">
             <p:contentPart p14:bwMode="auto" r:id="rId141">
               <p14:nvContentPartPr>
                 <p14:cNvPr id="275" name="Ink 274">
@@ -12422,7 +12445,7 @@
               </p14:xfrm>
             </p:contentPart>
           </mc:Choice>
-          <mc:Fallback xmlns="">
+          <mc:Fallback>
             <p:pic>
               <p:nvPicPr>
                 <p:cNvPr id="275" name="Ink 274">
@@ -12443,8 +12466,8 @@
               </p:blipFill>
               <p:spPr>
                 <a:xfrm>
-                  <a:off x="4881918" y="4104199"/>
-                  <a:ext cx="2537640" cy="907200"/>
+                  <a:off x="4881558" y="4103835"/>
+                  <a:ext cx="2537640" cy="907207"/>
                 </a:xfrm>
                 <a:prstGeom prst="rect">
                   <a:avLst/>
@@ -12453,8 +12476,8 @@
             </p:pic>
           </mc:Fallback>
         </mc:AlternateContent>
-        <mc:AlternateContent xmlns:mc="http://schemas.openxmlformats.org/markup-compatibility/2006" xmlns:p14="http://schemas.microsoft.com/office/powerpoint/2010/main">
-          <mc:Choice Requires="p14">
+        <mc:AlternateContent xmlns:mc="http://schemas.openxmlformats.org/markup-compatibility/2006">
+          <mc:Choice xmlns:p14="http://schemas.microsoft.com/office/powerpoint/2010/main" Requires="p14">
             <p:contentPart p14:bwMode="auto" r:id="rId143">
               <p14:nvContentPartPr>
                 <p14:cNvPr id="278" name="Ink 277">
@@ -12473,7 +12496,7 @@
               </p14:xfrm>
             </p:contentPart>
           </mc:Choice>
-          <mc:Fallback xmlns="">
+          <mc:Fallback>
             <p:pic>
               <p:nvPicPr>
                 <p:cNvPr id="278" name="Ink 277">
@@ -12494,8 +12517,8 @@
               </p:blipFill>
               <p:spPr>
                 <a:xfrm>
-                  <a:off x="4671608" y="6805241"/>
-                  <a:ext cx="2543040" cy="1535400"/>
+                  <a:off x="4671248" y="6804879"/>
+                  <a:ext cx="2543040" cy="1535404"/>
                 </a:xfrm>
                 <a:prstGeom prst="rect">
                   <a:avLst/>
@@ -13761,8 +13784,8 @@
             </p:pic>
           </mc:Fallback>
         </mc:AlternateContent>
-        <mc:AlternateContent xmlns:mc="http://schemas.openxmlformats.org/markup-compatibility/2006" xmlns:p14="http://schemas.microsoft.com/office/powerpoint/2010/main">
-          <mc:Choice Requires="p14">
+        <mc:AlternateContent xmlns:mc="http://schemas.openxmlformats.org/markup-compatibility/2006">
+          <mc:Choice xmlns:p14="http://schemas.microsoft.com/office/powerpoint/2010/main" Requires="p14">
             <p:contentPart p14:bwMode="auto" r:id="rId169">
               <p14:nvContentPartPr>
                 <p14:cNvPr id="364" name="Ink 363">
@@ -13781,7 +13804,7 @@
               </p14:xfrm>
             </p:contentPart>
           </mc:Choice>
-          <mc:Fallback xmlns="">
+          <mc:Fallback>
             <p:pic>
               <p:nvPicPr>
                 <p:cNvPr id="364" name="Ink 363">
@@ -13802,7 +13825,7 @@
               </p:blipFill>
               <p:spPr>
                 <a:xfrm rot="2310022">
-                  <a:off x="5874700" y="6612691"/>
+                  <a:off x="5874700" y="6612331"/>
                   <a:ext cx="183600" cy="340560"/>
                 </a:xfrm>
                 <a:prstGeom prst="rect">
@@ -13827,7 +13850,7 @@
           <p:spPr>
             <a:xfrm>
               <a:off x="6070010" y="6354951"/>
-              <a:ext cx="575799" cy="369332"/>
+              <a:ext cx="612668" cy="369332"/>
             </a:xfrm>
             <a:prstGeom prst="rect">
               <a:avLst/>
@@ -13843,8 +13866,10 @@
               <a:r>
                 <a:rPr lang="en-US" b="1" dirty="0">
                   <a:solidFill>
-                    <a:srgbClr val="FF0000"/>
+                    <a:srgbClr val="C93431"/>
                   </a:solidFill>
+                  <a:latin typeface="Source Sans Pro" panose="020B0503030403020204" pitchFamily="34" charset="0"/>
+                  <a:ea typeface="Source Sans Pro" panose="020B0503030403020204" pitchFamily="34" charset="0"/>
                 </a:rPr>
                 <a:t>Bias</a:t>
               </a:r>
